--- a/docs/09_machine_learning/002_gradient_descent/assets/setup.pptx
+++ b/docs/09_machine_learning/002_gradient_descent/assets/setup.pptx
@@ -104,7 +104,41 @@
       </a:defRPr>
     </a:lvl9pPr>
   </p:defaultTextStyle>
+  <p:extLst>
+    <p:ext uri="{EFAFB233-063F-42B5-8137-9DF3F51BA10A}">
+      <p15:sldGuideLst xmlns:p15="http://schemas.microsoft.com/office/powerpoint/2012/main"/>
+    </p:ext>
+  </p:extLst>
 </p:presentation>
+</file>
+
+<file path=ppt/changesInfos/changesInfo1.xml><?xml version="1.0" encoding="utf-8"?>
+<pc:chgInfo xmlns:a="http://schemas.openxmlformats.org/drawingml/2006/main" xmlns:r="http://schemas.openxmlformats.org/officeDocument/2006/relationships" xmlns:ac="http://schemas.microsoft.com/office/drawing/2013/main/command" xmlns:pc="http://schemas.microsoft.com/office/powerpoint/2013/main/command">
+  <pc:docChgLst>
+    <pc:chgData name="Philippe Baucour" userId="5102170ae7533958" providerId="LiveId" clId="{C4634EC1-E8DC-4FAE-B843-C9AE3C4956A0}"/>
+    <pc:docChg chg="modSld">
+      <pc:chgData name="Philippe Baucour" userId="5102170ae7533958" providerId="LiveId" clId="{C4634EC1-E8DC-4FAE-B843-C9AE3C4956A0}" dt="2025-11-22T09:44:35.895" v="5" actId="20577"/>
+      <pc:docMkLst>
+        <pc:docMk/>
+      </pc:docMkLst>
+      <pc:sldChg chg="modSp mod">
+        <pc:chgData name="Philippe Baucour" userId="5102170ae7533958" providerId="LiveId" clId="{C4634EC1-E8DC-4FAE-B843-C9AE3C4956A0}" dt="2025-11-22T09:44:35.895" v="5" actId="20577"/>
+        <pc:sldMkLst>
+          <pc:docMk/>
+          <pc:sldMk cId="3075318298" sldId="256"/>
+        </pc:sldMkLst>
+        <pc:spChg chg="mod">
+          <ac:chgData name="Philippe Baucour" userId="5102170ae7533958" providerId="LiveId" clId="{C4634EC1-E8DC-4FAE-B843-C9AE3C4956A0}" dt="2025-11-22T09:44:35.895" v="5" actId="20577"/>
+          <ac:spMkLst>
+            <pc:docMk/>
+            <pc:sldMk cId="3075318298" sldId="256"/>
+            <ac:spMk id="33" creationId="{C30B71E3-E20B-F7F9-8EF7-4996D72E2DDF}"/>
+          </ac:spMkLst>
+        </pc:spChg>
+      </pc:sldChg>
+    </pc:docChg>
+  </pc:docChgLst>
+</pc:chgInfo>
 </file>
 
 <file path=ppt/slideLayouts/slideLayout1.xml><?xml version="1.0" encoding="utf-8"?>
@@ -254,7 +288,7 @@
           <a:p>
             <a:fld id="{2D3BE058-CAA6-442E-81C9-ED1747644904}" type="datetimeFigureOut">
               <a:rPr lang="fr-FR" smtClean="0"/>
-              <a:t>20/11/2025</a:t>
+              <a:t>22/11/2025</a:t>
             </a:fld>
             <a:endParaRPr lang="fr-FR"/>
           </a:p>
@@ -452,7 +486,7 @@
           <a:p>
             <a:fld id="{2D3BE058-CAA6-442E-81C9-ED1747644904}" type="datetimeFigureOut">
               <a:rPr lang="fr-FR" smtClean="0"/>
-              <a:t>20/11/2025</a:t>
+              <a:t>22/11/2025</a:t>
             </a:fld>
             <a:endParaRPr lang="fr-FR"/>
           </a:p>
@@ -660,7 +694,7 @@
           <a:p>
             <a:fld id="{2D3BE058-CAA6-442E-81C9-ED1747644904}" type="datetimeFigureOut">
               <a:rPr lang="fr-FR" smtClean="0"/>
-              <a:t>20/11/2025</a:t>
+              <a:t>22/11/2025</a:t>
             </a:fld>
             <a:endParaRPr lang="fr-FR"/>
           </a:p>
@@ -858,7 +892,7 @@
           <a:p>
             <a:fld id="{2D3BE058-CAA6-442E-81C9-ED1747644904}" type="datetimeFigureOut">
               <a:rPr lang="fr-FR" smtClean="0"/>
-              <a:t>20/11/2025</a:t>
+              <a:t>22/11/2025</a:t>
             </a:fld>
             <a:endParaRPr lang="fr-FR"/>
           </a:p>
@@ -1133,7 +1167,7 @@
           <a:p>
             <a:fld id="{2D3BE058-CAA6-442E-81C9-ED1747644904}" type="datetimeFigureOut">
               <a:rPr lang="fr-FR" smtClean="0"/>
-              <a:t>20/11/2025</a:t>
+              <a:t>22/11/2025</a:t>
             </a:fld>
             <a:endParaRPr lang="fr-FR"/>
           </a:p>
@@ -1398,7 +1432,7 @@
           <a:p>
             <a:fld id="{2D3BE058-CAA6-442E-81C9-ED1747644904}" type="datetimeFigureOut">
               <a:rPr lang="fr-FR" smtClean="0"/>
-              <a:t>20/11/2025</a:t>
+              <a:t>22/11/2025</a:t>
             </a:fld>
             <a:endParaRPr lang="fr-FR"/>
           </a:p>
@@ -1810,7 +1844,7 @@
           <a:p>
             <a:fld id="{2D3BE058-CAA6-442E-81C9-ED1747644904}" type="datetimeFigureOut">
               <a:rPr lang="fr-FR" smtClean="0"/>
-              <a:t>20/11/2025</a:t>
+              <a:t>22/11/2025</a:t>
             </a:fld>
             <a:endParaRPr lang="fr-FR"/>
           </a:p>
@@ -1951,7 +1985,7 @@
           <a:p>
             <a:fld id="{2D3BE058-CAA6-442E-81C9-ED1747644904}" type="datetimeFigureOut">
               <a:rPr lang="fr-FR" smtClean="0"/>
-              <a:t>20/11/2025</a:t>
+              <a:t>22/11/2025</a:t>
             </a:fld>
             <a:endParaRPr lang="fr-FR"/>
           </a:p>
@@ -2064,7 +2098,7 @@
           <a:p>
             <a:fld id="{2D3BE058-CAA6-442E-81C9-ED1747644904}" type="datetimeFigureOut">
               <a:rPr lang="fr-FR" smtClean="0"/>
-              <a:t>20/11/2025</a:t>
+              <a:t>22/11/2025</a:t>
             </a:fld>
             <a:endParaRPr lang="fr-FR"/>
           </a:p>
@@ -2375,7 +2409,7 @@
           <a:p>
             <a:fld id="{2D3BE058-CAA6-442E-81C9-ED1747644904}" type="datetimeFigureOut">
               <a:rPr lang="fr-FR" smtClean="0"/>
-              <a:t>20/11/2025</a:t>
+              <a:t>22/11/2025</a:t>
             </a:fld>
             <a:endParaRPr lang="fr-FR"/>
           </a:p>
@@ -2663,7 +2697,7 @@
           <a:p>
             <a:fld id="{2D3BE058-CAA6-442E-81C9-ED1747644904}" type="datetimeFigureOut">
               <a:rPr lang="fr-FR" smtClean="0"/>
-              <a:t>20/11/2025</a:t>
+              <a:t>22/11/2025</a:t>
             </a:fld>
             <a:endParaRPr lang="fr-FR"/>
           </a:p>
@@ -2904,7 +2938,7 @@
           <a:p>
             <a:fld id="{2D3BE058-CAA6-442E-81C9-ED1747644904}" type="datetimeFigureOut">
               <a:rPr lang="fr-FR" smtClean="0"/>
-              <a:t>20/11/2025</a:t>
+              <a:t>22/11/2025</a:t>
             </a:fld>
             <a:endParaRPr lang="fr-FR"/>
           </a:p>
@@ -3994,8 +4028,26 @@
                 <a:latin typeface="Courier New" panose="02070309020205020404" pitchFamily="49" charset="0"/>
                 <a:cs typeface="Courier New" panose="02070309020205020404" pitchFamily="49" charset="0"/>
               </a:rPr>
-              <a:t>d = 300cm</a:t>
-            </a:r>
+              <a:t>d = </a:t>
+            </a:r>
+            <a:r>
+              <a:rPr lang="en-US" sz="1050">
+                <a:latin typeface="Courier New" panose="02070309020205020404" pitchFamily="49" charset="0"/>
+                <a:cs typeface="Courier New" panose="02070309020205020404" pitchFamily="49" charset="0"/>
+              </a:rPr>
+              <a:t>???</a:t>
+            </a:r>
+            <a:r>
+              <a:rPr lang="en-US" sz="1050" noProof="0">
+                <a:latin typeface="Courier New" panose="02070309020205020404" pitchFamily="49" charset="0"/>
+                <a:cs typeface="Courier New" panose="02070309020205020404" pitchFamily="49" charset="0"/>
+              </a:rPr>
+              <a:t>cm</a:t>
+            </a:r>
+            <a:endParaRPr lang="en-US" sz="1050" noProof="0" dirty="0">
+              <a:latin typeface="Courier New" panose="02070309020205020404" pitchFamily="49" charset="0"/>
+              <a:cs typeface="Courier New" panose="02070309020205020404" pitchFamily="49" charset="0"/>
+            </a:endParaRPr>
           </a:p>
         </p:txBody>
       </p:sp>

--- a/docs/09_machine_learning/002_gradient_descent/assets/setup.pptx
+++ b/docs/09_machine_learning/002_gradient_descent/assets/setup.pptx
@@ -6,6 +6,7 @@
   </p:sldMasterIdLst>
   <p:sldIdLst>
     <p:sldId id="256" r:id="rId2"/>
+    <p:sldId id="258" r:id="rId3"/>
   </p:sldIdLst>
   <p:sldSz cx="12192000" cy="6858000"/>
   <p:notesSz cx="6858000" cy="9144000"/>
@@ -112,12 +113,20 @@
 </p:presentation>
 </file>
 
+<file path=ppt/revisionInfo.xml><?xml version="1.0" encoding="utf-8"?>
+<p1510:revInfo xmlns:a="http://schemas.openxmlformats.org/drawingml/2006/main" xmlns:r="http://schemas.openxmlformats.org/officeDocument/2006/relationships" xmlns:p1510="http://schemas.microsoft.com/office/powerpoint/2015/10/main">
+  <p1510:revLst>
+    <p1510:client id="{A706B5CF-0313-4D54-A6B3-B67226A5AE3C}" v="17" dt="2025-11-23T11:27:03.151"/>
+  </p1510:revLst>
+</p1510:revInfo>
+</file>
+
 <file path=ppt/changesInfos/changesInfo1.xml><?xml version="1.0" encoding="utf-8"?>
 <pc:chgInfo xmlns:a="http://schemas.openxmlformats.org/drawingml/2006/main" xmlns:r="http://schemas.openxmlformats.org/officeDocument/2006/relationships" xmlns:ac="http://schemas.microsoft.com/office/drawing/2013/main/command" xmlns:pc="http://schemas.microsoft.com/office/powerpoint/2013/main/command">
   <pc:docChgLst>
     <pc:chgData name="Philippe Baucour" userId="5102170ae7533958" providerId="LiveId" clId="{C4634EC1-E8DC-4FAE-B843-C9AE3C4956A0}"/>
-    <pc:docChg chg="modSld">
-      <pc:chgData name="Philippe Baucour" userId="5102170ae7533958" providerId="LiveId" clId="{C4634EC1-E8DC-4FAE-B843-C9AE3C4956A0}" dt="2025-11-22T09:44:35.895" v="5" actId="20577"/>
+    <pc:docChg chg="undo custSel addSld delSld modSld">
+      <pc:chgData name="Philippe Baucour" userId="5102170ae7533958" providerId="LiveId" clId="{C4634EC1-E8DC-4FAE-B843-C9AE3C4956A0}" dt="2025-11-23T12:07:26.392" v="1162" actId="20577"/>
       <pc:docMkLst>
         <pc:docMk/>
       </pc:docMkLst>
@@ -135,6 +144,420 @@
             <ac:spMk id="33" creationId="{C30B71E3-E20B-F7F9-8EF7-4996D72E2DDF}"/>
           </ac:spMkLst>
         </pc:spChg>
+      </pc:sldChg>
+      <pc:sldChg chg="new del">
+        <pc:chgData name="Philippe Baucour" userId="5102170ae7533958" providerId="LiveId" clId="{C4634EC1-E8DC-4FAE-B843-C9AE3C4956A0}" dt="2025-11-23T11:29:06.352" v="985" actId="47"/>
+        <pc:sldMkLst>
+          <pc:docMk/>
+          <pc:sldMk cId="2614473666" sldId="257"/>
+        </pc:sldMkLst>
+      </pc:sldChg>
+      <pc:sldChg chg="addSp delSp modSp add mod">
+        <pc:chgData name="Philippe Baucour" userId="5102170ae7533958" providerId="LiveId" clId="{C4634EC1-E8DC-4FAE-B843-C9AE3C4956A0}" dt="2025-11-23T12:07:26.392" v="1162" actId="20577"/>
+        <pc:sldMkLst>
+          <pc:docMk/>
+          <pc:sldMk cId="3961992228" sldId="258"/>
+        </pc:sldMkLst>
+        <pc:spChg chg="add mod">
+          <ac:chgData name="Philippe Baucour" userId="5102170ae7533958" providerId="LiveId" clId="{C4634EC1-E8DC-4FAE-B843-C9AE3C4956A0}" dt="2025-11-23T11:13:20.383" v="594" actId="207"/>
+          <ac:spMkLst>
+            <pc:docMk/>
+            <pc:sldMk cId="3961992228" sldId="258"/>
+            <ac:spMk id="2" creationId="{A26A2538-BC52-721B-3538-36ABD2202D3E}"/>
+          </ac:spMkLst>
+        </pc:spChg>
+        <pc:spChg chg="add mod">
+          <ac:chgData name="Philippe Baucour" userId="5102170ae7533958" providerId="LiveId" clId="{C4634EC1-E8DC-4FAE-B843-C9AE3C4956A0}" dt="2025-11-23T11:01:41.743" v="218" actId="164"/>
+          <ac:spMkLst>
+            <pc:docMk/>
+            <pc:sldMk cId="3961992228" sldId="258"/>
+            <ac:spMk id="3" creationId="{A4D05CCA-64F4-AE10-B20D-A4ABA1108239}"/>
+          </ac:spMkLst>
+        </pc:spChg>
+        <pc:spChg chg="add mod">
+          <ac:chgData name="Philippe Baucour" userId="5102170ae7533958" providerId="LiveId" clId="{C4634EC1-E8DC-4FAE-B843-C9AE3C4956A0}" dt="2025-11-23T11:01:41.743" v="218" actId="164"/>
+          <ac:spMkLst>
+            <pc:docMk/>
+            <pc:sldMk cId="3961992228" sldId="258"/>
+            <ac:spMk id="4" creationId="{B6C2245B-309D-7198-C9A7-4561BA438570}"/>
+          </ac:spMkLst>
+        </pc:spChg>
+        <pc:spChg chg="add mod">
+          <ac:chgData name="Philippe Baucour" userId="5102170ae7533958" providerId="LiveId" clId="{C4634EC1-E8DC-4FAE-B843-C9AE3C4956A0}" dt="2025-11-23T11:01:41.743" v="218" actId="164"/>
+          <ac:spMkLst>
+            <pc:docMk/>
+            <pc:sldMk cId="3961992228" sldId="258"/>
+            <ac:spMk id="6" creationId="{7B9190FB-7DED-E341-F213-EC88EDC18692}"/>
+          </ac:spMkLst>
+        </pc:spChg>
+        <pc:spChg chg="add mod">
+          <ac:chgData name="Philippe Baucour" userId="5102170ae7533958" providerId="LiveId" clId="{C4634EC1-E8DC-4FAE-B843-C9AE3C4956A0}" dt="2025-11-23T11:01:41.743" v="218" actId="164"/>
+          <ac:spMkLst>
+            <pc:docMk/>
+            <pc:sldMk cId="3961992228" sldId="258"/>
+            <ac:spMk id="9" creationId="{D7CAC77C-27D1-1FAC-8E96-9F681B0AB61B}"/>
+          </ac:spMkLst>
+        </pc:spChg>
+        <pc:spChg chg="add mod">
+          <ac:chgData name="Philippe Baucour" userId="5102170ae7533958" providerId="LiveId" clId="{C4634EC1-E8DC-4FAE-B843-C9AE3C4956A0}" dt="2025-11-23T11:01:41.743" v="218" actId="164"/>
+          <ac:spMkLst>
+            <pc:docMk/>
+            <pc:sldMk cId="3961992228" sldId="258"/>
+            <ac:spMk id="10" creationId="{CC5C2BA2-C030-ED53-4A7F-5B58B475746C}"/>
+          </ac:spMkLst>
+        </pc:spChg>
+        <pc:spChg chg="del mod">
+          <ac:chgData name="Philippe Baucour" userId="5102170ae7533958" providerId="LiveId" clId="{C4634EC1-E8DC-4FAE-B843-C9AE3C4956A0}" dt="2025-11-23T11:24:11.987" v="924" actId="478"/>
+          <ac:spMkLst>
+            <pc:docMk/>
+            <pc:sldMk cId="3961992228" sldId="258"/>
+            <ac:spMk id="12" creationId="{12EED59A-A003-B29E-F7A5-F2527C336C59}"/>
+          </ac:spMkLst>
+        </pc:spChg>
+        <pc:spChg chg="add mod">
+          <ac:chgData name="Philippe Baucour" userId="5102170ae7533958" providerId="LiveId" clId="{C4634EC1-E8DC-4FAE-B843-C9AE3C4956A0}" dt="2025-11-23T11:01:41.743" v="218" actId="164"/>
+          <ac:spMkLst>
+            <pc:docMk/>
+            <pc:sldMk cId="3961992228" sldId="258"/>
+            <ac:spMk id="13" creationId="{F7AC9915-B38C-1B32-E582-99DA8FA5C834}"/>
+          </ac:spMkLst>
+        </pc:spChg>
+        <pc:spChg chg="add mod">
+          <ac:chgData name="Philippe Baucour" userId="5102170ae7533958" providerId="LiveId" clId="{C4634EC1-E8DC-4FAE-B843-C9AE3C4956A0}" dt="2025-11-23T11:01:41.743" v="218" actId="164"/>
+          <ac:spMkLst>
+            <pc:docMk/>
+            <pc:sldMk cId="3961992228" sldId="258"/>
+            <ac:spMk id="15" creationId="{562D5AE8-5F2F-230A-6B92-24AF16DBAFAD}"/>
+          </ac:spMkLst>
+        </pc:spChg>
+        <pc:spChg chg="del">
+          <ac:chgData name="Philippe Baucour" userId="5102170ae7533958" providerId="LiveId" clId="{C4634EC1-E8DC-4FAE-B843-C9AE3C4956A0}" dt="2025-11-23T10:54:49.942" v="104" actId="478"/>
+          <ac:spMkLst>
+            <pc:docMk/>
+            <pc:sldMk cId="3961992228" sldId="258"/>
+            <ac:spMk id="21" creationId="{468DB1E0-6D69-3309-FF6D-34747E9C866D}"/>
+          </ac:spMkLst>
+        </pc:spChg>
+        <pc:spChg chg="del">
+          <ac:chgData name="Philippe Baucour" userId="5102170ae7533958" providerId="LiveId" clId="{C4634EC1-E8DC-4FAE-B843-C9AE3C4956A0}" dt="2025-11-23T10:54:49.942" v="104" actId="478"/>
+          <ac:spMkLst>
+            <pc:docMk/>
+            <pc:sldMk cId="3961992228" sldId="258"/>
+            <ac:spMk id="22" creationId="{2E97811A-A2CB-01C4-77BD-59287769F260}"/>
+          </ac:spMkLst>
+        </pc:spChg>
+        <pc:spChg chg="add mod ord">
+          <ac:chgData name="Philippe Baucour" userId="5102170ae7533958" providerId="LiveId" clId="{C4634EC1-E8DC-4FAE-B843-C9AE3C4956A0}" dt="2025-11-23T11:14:42.471" v="600" actId="1076"/>
+          <ac:spMkLst>
+            <pc:docMk/>
+            <pc:sldMk cId="3961992228" sldId="258"/>
+            <ac:spMk id="23" creationId="{C8E2C03B-1388-9714-7D76-DD2523C80BD3}"/>
+          </ac:spMkLst>
+        </pc:spChg>
+        <pc:spChg chg="del">
+          <ac:chgData name="Philippe Baucour" userId="5102170ae7533958" providerId="LiveId" clId="{C4634EC1-E8DC-4FAE-B843-C9AE3C4956A0}" dt="2025-11-23T10:54:53.021" v="105" actId="478"/>
+          <ac:spMkLst>
+            <pc:docMk/>
+            <pc:sldMk cId="3961992228" sldId="258"/>
+            <ac:spMk id="24" creationId="{C65C2853-6B45-83E1-C7ED-FE9F7AFA2322}"/>
+          </ac:spMkLst>
+        </pc:spChg>
+        <pc:spChg chg="del mod">
+          <ac:chgData name="Philippe Baucour" userId="5102170ae7533958" providerId="LiveId" clId="{C4634EC1-E8DC-4FAE-B843-C9AE3C4956A0}" dt="2025-11-23T11:24:11.987" v="924" actId="478"/>
+          <ac:spMkLst>
+            <pc:docMk/>
+            <pc:sldMk cId="3961992228" sldId="258"/>
+            <ac:spMk id="25" creationId="{9C486CCE-CF05-8278-993A-56F74DCD0C56}"/>
+          </ac:spMkLst>
+        </pc:spChg>
+        <pc:spChg chg="add mod">
+          <ac:chgData name="Philippe Baucour" userId="5102170ae7533958" providerId="LiveId" clId="{C4634EC1-E8DC-4FAE-B843-C9AE3C4956A0}" dt="2025-11-23T12:07:17.194" v="1158" actId="20577"/>
+          <ac:spMkLst>
+            <pc:docMk/>
+            <pc:sldMk cId="3961992228" sldId="258"/>
+            <ac:spMk id="27" creationId="{09F3884A-3E00-892C-2E50-00C4494E6524}"/>
+          </ac:spMkLst>
+        </pc:spChg>
+        <pc:spChg chg="del">
+          <ac:chgData name="Philippe Baucour" userId="5102170ae7533958" providerId="LiveId" clId="{C4634EC1-E8DC-4FAE-B843-C9AE3C4956A0}" dt="2025-11-23T10:54:49.942" v="104" actId="478"/>
+          <ac:spMkLst>
+            <pc:docMk/>
+            <pc:sldMk cId="3961992228" sldId="258"/>
+            <ac:spMk id="29" creationId="{F822D01F-4465-3DE9-DB10-31412D79B7C4}"/>
+          </ac:spMkLst>
+        </pc:spChg>
+        <pc:spChg chg="del">
+          <ac:chgData name="Philippe Baucour" userId="5102170ae7533958" providerId="LiveId" clId="{C4634EC1-E8DC-4FAE-B843-C9AE3C4956A0}" dt="2025-11-23T10:54:49.942" v="104" actId="478"/>
+          <ac:spMkLst>
+            <pc:docMk/>
+            <pc:sldMk cId="3961992228" sldId="258"/>
+            <ac:spMk id="30" creationId="{1A39C6CE-CCC4-CCEA-52D8-877FB8EA5BA9}"/>
+          </ac:spMkLst>
+        </pc:spChg>
+        <pc:spChg chg="add mod">
+          <ac:chgData name="Philippe Baucour" userId="5102170ae7533958" providerId="LiveId" clId="{C4634EC1-E8DC-4FAE-B843-C9AE3C4956A0}" dt="2025-11-23T11:18:17.215" v="802" actId="1038"/>
+          <ac:spMkLst>
+            <pc:docMk/>
+            <pc:sldMk cId="3961992228" sldId="258"/>
+            <ac:spMk id="32" creationId="{AD33A93E-3974-4BA7-DDF8-5DCAF2AA3CDC}"/>
+          </ac:spMkLst>
+        </pc:spChg>
+        <pc:spChg chg="del mod">
+          <ac:chgData name="Philippe Baucour" userId="5102170ae7533958" providerId="LiveId" clId="{C4634EC1-E8DC-4FAE-B843-C9AE3C4956A0}" dt="2025-11-23T11:24:11.987" v="924" actId="478"/>
+          <ac:spMkLst>
+            <pc:docMk/>
+            <pc:sldMk cId="3961992228" sldId="258"/>
+            <ac:spMk id="33" creationId="{827BB0DE-32A2-637E-8B66-14D67214DF75}"/>
+          </ac:spMkLst>
+        </pc:spChg>
+        <pc:spChg chg="add mod">
+          <ac:chgData name="Philippe Baucour" userId="5102170ae7533958" providerId="LiveId" clId="{C4634EC1-E8DC-4FAE-B843-C9AE3C4956A0}" dt="2025-11-23T11:19:27.981" v="850" actId="1037"/>
+          <ac:spMkLst>
+            <pc:docMk/>
+            <pc:sldMk cId="3961992228" sldId="258"/>
+            <ac:spMk id="34" creationId="{147250B3-4D56-9431-F4B9-38C06D810C13}"/>
+          </ac:spMkLst>
+        </pc:spChg>
+        <pc:spChg chg="del">
+          <ac:chgData name="Philippe Baucour" userId="5102170ae7533958" providerId="LiveId" clId="{C4634EC1-E8DC-4FAE-B843-C9AE3C4956A0}" dt="2025-11-23T10:54:53.021" v="105" actId="478"/>
+          <ac:spMkLst>
+            <pc:docMk/>
+            <pc:sldMk cId="3961992228" sldId="258"/>
+            <ac:spMk id="47" creationId="{2CB63C9B-C072-B091-38C0-55C1DC2ACA04}"/>
+          </ac:spMkLst>
+        </pc:spChg>
+        <pc:spChg chg="mod ord">
+          <ac:chgData name="Philippe Baucour" userId="5102170ae7533958" providerId="LiveId" clId="{C4634EC1-E8DC-4FAE-B843-C9AE3C4956A0}" dt="2025-11-23T11:32:04.069" v="1154" actId="1076"/>
+          <ac:spMkLst>
+            <pc:docMk/>
+            <pc:sldMk cId="3961992228" sldId="258"/>
+            <ac:spMk id="48" creationId="{4F5CF223-3E87-6691-F446-351BA6F8E77B}"/>
+          </ac:spMkLst>
+        </pc:spChg>
+        <pc:spChg chg="add mod">
+          <ac:chgData name="Philippe Baucour" userId="5102170ae7533958" providerId="LiveId" clId="{C4634EC1-E8DC-4FAE-B843-C9AE3C4956A0}" dt="2025-11-23T12:07:26.392" v="1162" actId="20577"/>
+          <ac:spMkLst>
+            <pc:docMk/>
+            <pc:sldMk cId="3961992228" sldId="258"/>
+            <ac:spMk id="59" creationId="{75968AC9-05A8-88DB-BEE8-F2B58249BDD7}"/>
+          </ac:spMkLst>
+        </pc:spChg>
+        <pc:spChg chg="add mod">
+          <ac:chgData name="Philippe Baucour" userId="5102170ae7533958" providerId="LiveId" clId="{C4634EC1-E8DC-4FAE-B843-C9AE3C4956A0}" dt="2025-11-23T11:23:21.389" v="918" actId="20577"/>
+          <ac:spMkLst>
+            <pc:docMk/>
+            <pc:sldMk cId="3961992228" sldId="258"/>
+            <ac:spMk id="61" creationId="{809CF0F6-953E-6ED2-D814-465A204709C7}"/>
+          </ac:spMkLst>
+        </pc:spChg>
+        <pc:spChg chg="add mod">
+          <ac:chgData name="Philippe Baucour" userId="5102170ae7533958" providerId="LiveId" clId="{C4634EC1-E8DC-4FAE-B843-C9AE3C4956A0}" dt="2025-11-23T11:23:40.336" v="922" actId="20577"/>
+          <ac:spMkLst>
+            <pc:docMk/>
+            <pc:sldMk cId="3961992228" sldId="258"/>
+            <ac:spMk id="62" creationId="{661A0F2F-49CF-1469-ED63-17AC0CC1D615}"/>
+          </ac:spMkLst>
+        </pc:spChg>
+        <pc:grpChg chg="add mod">
+          <ac:chgData name="Philippe Baucour" userId="5102170ae7533958" providerId="LiveId" clId="{C4634EC1-E8DC-4FAE-B843-C9AE3C4956A0}" dt="2025-11-23T11:01:59.950" v="219" actId="1076"/>
+          <ac:grpSpMkLst>
+            <pc:docMk/>
+            <pc:sldMk cId="3961992228" sldId="258"/>
+            <ac:grpSpMk id="17" creationId="{41FD68D1-1375-0F12-3B95-BED3418B44BB}"/>
+          </ac:grpSpMkLst>
+        </pc:grpChg>
+        <pc:picChg chg="mod">
+          <ac:chgData name="Philippe Baucour" userId="5102170ae7533958" providerId="LiveId" clId="{C4634EC1-E8DC-4FAE-B843-C9AE3C4956A0}" dt="2025-11-23T10:56:07.698" v="164" actId="1037"/>
+          <ac:picMkLst>
+            <pc:docMk/>
+            <pc:sldMk cId="3961992228" sldId="258"/>
+            <ac:picMk id="7" creationId="{53764259-DCF4-8B48-E950-90738FD096B6}"/>
+          </ac:picMkLst>
+        </pc:picChg>
+        <pc:picChg chg="mod ord">
+          <ac:chgData name="Philippe Baucour" userId="5102170ae7533958" providerId="LiveId" clId="{C4634EC1-E8DC-4FAE-B843-C9AE3C4956A0}" dt="2025-11-23T10:55:53.329" v="144" actId="1035"/>
+          <ac:picMkLst>
+            <pc:docMk/>
+            <pc:sldMk cId="3961992228" sldId="258"/>
+            <ac:picMk id="8" creationId="{273CE7EE-108B-C1DE-59B7-2B459D947DA0}"/>
+          </ac:picMkLst>
+        </pc:picChg>
+        <pc:cxnChg chg="del">
+          <ac:chgData name="Philippe Baucour" userId="5102170ae7533958" providerId="LiveId" clId="{C4634EC1-E8DC-4FAE-B843-C9AE3C4956A0}" dt="2025-11-23T10:54:49.942" v="104" actId="478"/>
+          <ac:cxnSpMkLst>
+            <pc:docMk/>
+            <pc:sldMk cId="3961992228" sldId="258"/>
+            <ac:cxnSpMk id="5" creationId="{DC0EFD26-CA75-8E4F-6216-FA885EE41D86}"/>
+          </ac:cxnSpMkLst>
+        </pc:cxnChg>
+        <pc:cxnChg chg="del mod">
+          <ac:chgData name="Philippe Baucour" userId="5102170ae7533958" providerId="LiveId" clId="{C4634EC1-E8DC-4FAE-B843-C9AE3C4956A0}" dt="2025-11-23T11:24:11.987" v="924" actId="478"/>
+          <ac:cxnSpMkLst>
+            <pc:docMk/>
+            <pc:sldMk cId="3961992228" sldId="258"/>
+            <ac:cxnSpMk id="11" creationId="{0A7CC7E4-200A-F55C-F57C-A3FF80BA0C90}"/>
+          </ac:cxnSpMkLst>
+        </pc:cxnChg>
+        <pc:cxnChg chg="del mod">
+          <ac:chgData name="Philippe Baucour" userId="5102170ae7533958" providerId="LiveId" clId="{C4634EC1-E8DC-4FAE-B843-C9AE3C4956A0}" dt="2025-11-23T11:24:11.987" v="924" actId="478"/>
+          <ac:cxnSpMkLst>
+            <pc:docMk/>
+            <pc:sldMk cId="3961992228" sldId="258"/>
+            <ac:cxnSpMk id="14" creationId="{B72469F6-7035-209C-FD95-51938FA64066}"/>
+          </ac:cxnSpMkLst>
+        </pc:cxnChg>
+        <pc:cxnChg chg="del">
+          <ac:chgData name="Philippe Baucour" userId="5102170ae7533958" providerId="LiveId" clId="{C4634EC1-E8DC-4FAE-B843-C9AE3C4956A0}" dt="2025-11-23T10:54:49.942" v="104" actId="478"/>
+          <ac:cxnSpMkLst>
+            <pc:docMk/>
+            <pc:sldMk cId="3961992228" sldId="258"/>
+            <ac:cxnSpMk id="16" creationId="{98B1EF45-0CE6-3C9E-EDB2-EB33877322E1}"/>
+          </ac:cxnSpMkLst>
+        </pc:cxnChg>
+        <pc:cxnChg chg="add mod ord">
+          <ac:chgData name="Philippe Baucour" userId="5102170ae7533958" providerId="LiveId" clId="{C4634EC1-E8DC-4FAE-B843-C9AE3C4956A0}" dt="2025-11-23T11:12:58.587" v="471"/>
+          <ac:cxnSpMkLst>
+            <pc:docMk/>
+            <pc:sldMk cId="3961992228" sldId="258"/>
+            <ac:cxnSpMk id="18" creationId="{FA2BEE6E-8942-12C9-12A8-8386F5969BC0}"/>
+          </ac:cxnSpMkLst>
+        </pc:cxnChg>
+        <pc:cxnChg chg="del mod">
+          <ac:chgData name="Philippe Baucour" userId="5102170ae7533958" providerId="LiveId" clId="{C4634EC1-E8DC-4FAE-B843-C9AE3C4956A0}" dt="2025-11-23T11:24:11.987" v="924" actId="478"/>
+          <ac:cxnSpMkLst>
+            <pc:docMk/>
+            <pc:sldMk cId="3961992228" sldId="258"/>
+            <ac:cxnSpMk id="26" creationId="{F15AA00A-2969-455C-7986-B2CDB9B8867D}"/>
+          </ac:cxnSpMkLst>
+        </pc:cxnChg>
+        <pc:cxnChg chg="add mod">
+          <ac:chgData name="Philippe Baucour" userId="5102170ae7533958" providerId="LiveId" clId="{C4634EC1-E8DC-4FAE-B843-C9AE3C4956A0}" dt="2025-11-23T11:17:37.507" v="740" actId="692"/>
+          <ac:cxnSpMkLst>
+            <pc:docMk/>
+            <pc:sldMk cId="3961992228" sldId="258"/>
+            <ac:cxnSpMk id="28" creationId="{738D660C-905C-B36A-261A-144F3E4CA6FB}"/>
+          </ac:cxnSpMkLst>
+        </pc:cxnChg>
+        <pc:cxnChg chg="del mod">
+          <ac:chgData name="Philippe Baucour" userId="5102170ae7533958" providerId="LiveId" clId="{C4634EC1-E8DC-4FAE-B843-C9AE3C4956A0}" dt="2025-11-23T11:24:11.987" v="924" actId="478"/>
+          <ac:cxnSpMkLst>
+            <pc:docMk/>
+            <pc:sldMk cId="3961992228" sldId="258"/>
+            <ac:cxnSpMk id="31" creationId="{ED12D4BE-8565-52ED-5BBE-E9A78A4E592C}"/>
+          </ac:cxnSpMkLst>
+        </pc:cxnChg>
+        <pc:cxnChg chg="del">
+          <ac:chgData name="Philippe Baucour" userId="5102170ae7533958" providerId="LiveId" clId="{C4634EC1-E8DC-4FAE-B843-C9AE3C4956A0}" dt="2025-11-23T10:54:53.021" v="105" actId="478"/>
+          <ac:cxnSpMkLst>
+            <pc:docMk/>
+            <pc:sldMk cId="3961992228" sldId="258"/>
+            <ac:cxnSpMk id="35" creationId="{4F2B1991-F21C-C468-D325-7429D2DEE062}"/>
+          </ac:cxnSpMkLst>
+        </pc:cxnChg>
+        <pc:cxnChg chg="del">
+          <ac:chgData name="Philippe Baucour" userId="5102170ae7533958" providerId="LiveId" clId="{C4634EC1-E8DC-4FAE-B843-C9AE3C4956A0}" dt="2025-11-23T10:54:53.021" v="105" actId="478"/>
+          <ac:cxnSpMkLst>
+            <pc:docMk/>
+            <pc:sldMk cId="3961992228" sldId="258"/>
+            <ac:cxnSpMk id="36" creationId="{0F85FB0C-55C8-9E26-B0FE-588612E252FF}"/>
+          </ac:cxnSpMkLst>
+        </pc:cxnChg>
+        <pc:cxnChg chg="add del mod">
+          <ac:chgData name="Philippe Baucour" userId="5102170ae7533958" providerId="LiveId" clId="{C4634EC1-E8DC-4FAE-B843-C9AE3C4956A0}" dt="2025-11-23T11:23:57.651" v="923" actId="478"/>
+          <ac:cxnSpMkLst>
+            <pc:docMk/>
+            <pc:sldMk cId="3961992228" sldId="258"/>
+            <ac:cxnSpMk id="37" creationId="{DD17FD99-6F5F-D584-884E-4E13D6E94201}"/>
+          </ac:cxnSpMkLst>
+        </pc:cxnChg>
+        <pc:cxnChg chg="add mod">
+          <ac:chgData name="Philippe Baucour" userId="5102170ae7533958" providerId="LiveId" clId="{C4634EC1-E8DC-4FAE-B843-C9AE3C4956A0}" dt="2025-11-23T11:28:49.725" v="984" actId="1038"/>
+          <ac:cxnSpMkLst>
+            <pc:docMk/>
+            <pc:sldMk cId="3961992228" sldId="258"/>
+            <ac:cxnSpMk id="38" creationId="{18C95C7A-147B-A1C4-C6BA-53E2A72978F3}"/>
+          </ac:cxnSpMkLst>
+        </pc:cxnChg>
+        <pc:cxnChg chg="add mod">
+          <ac:chgData name="Philippe Baucour" userId="5102170ae7533958" providerId="LiveId" clId="{C4634EC1-E8DC-4FAE-B843-C9AE3C4956A0}" dt="2025-11-23T11:19:58.027" v="879" actId="14100"/>
+          <ac:cxnSpMkLst>
+            <pc:docMk/>
+            <pc:sldMk cId="3961992228" sldId="258"/>
+            <ac:cxnSpMk id="39" creationId="{DCE12948-DD14-A80B-BBF5-4A4C3F683A6E}"/>
+          </ac:cxnSpMkLst>
+        </pc:cxnChg>
+        <pc:cxnChg chg="add mod">
+          <ac:chgData name="Philippe Baucour" userId="5102170ae7533958" providerId="LiveId" clId="{C4634EC1-E8DC-4FAE-B843-C9AE3C4956A0}" dt="2025-11-23T11:19:15.286" v="838" actId="14100"/>
+          <ac:cxnSpMkLst>
+            <pc:docMk/>
+            <pc:sldMk cId="3961992228" sldId="258"/>
+            <ac:cxnSpMk id="42" creationId="{96B2356F-5EF0-27B5-51C6-97D3794EDA4D}"/>
+          </ac:cxnSpMkLst>
+        </pc:cxnChg>
+        <pc:cxnChg chg="add mod">
+          <ac:chgData name="Philippe Baucour" userId="5102170ae7533958" providerId="LiveId" clId="{C4634EC1-E8DC-4FAE-B843-C9AE3C4956A0}" dt="2025-11-23T11:19:40.591" v="877" actId="1037"/>
+          <ac:cxnSpMkLst>
+            <pc:docMk/>
+            <pc:sldMk cId="3961992228" sldId="258"/>
+            <ac:cxnSpMk id="43" creationId="{13D97FEF-B660-F3C8-504B-CAEB9AF77D71}"/>
+          </ac:cxnSpMkLst>
+        </pc:cxnChg>
+        <pc:cxnChg chg="del">
+          <ac:chgData name="Philippe Baucour" userId="5102170ae7533958" providerId="LiveId" clId="{C4634EC1-E8DC-4FAE-B843-C9AE3C4956A0}" dt="2025-11-23T10:54:53.021" v="105" actId="478"/>
+          <ac:cxnSpMkLst>
+            <pc:docMk/>
+            <pc:sldMk cId="3961992228" sldId="258"/>
+            <ac:cxnSpMk id="44" creationId="{710CEAAB-0ABD-E28F-1EB4-96C817121690}"/>
+          </ac:cxnSpMkLst>
+        </pc:cxnChg>
+        <pc:cxnChg chg="add mod">
+          <ac:chgData name="Philippe Baucour" userId="5102170ae7533958" providerId="LiveId" clId="{C4634EC1-E8DC-4FAE-B843-C9AE3C4956A0}" dt="2025-11-23T11:21:44.787" v="893" actId="14100"/>
+          <ac:cxnSpMkLst>
+            <pc:docMk/>
+            <pc:sldMk cId="3961992228" sldId="258"/>
+            <ac:cxnSpMk id="50" creationId="{77B1E948-FD1E-26A8-4374-E6F78CA8A9C1}"/>
+          </ac:cxnSpMkLst>
+        </pc:cxnChg>
+        <pc:cxnChg chg="add mod">
+          <ac:chgData name="Philippe Baucour" userId="5102170ae7533958" providerId="LiveId" clId="{C4634EC1-E8DC-4FAE-B843-C9AE3C4956A0}" dt="2025-11-23T11:22:39.742" v="910" actId="14100"/>
+          <ac:cxnSpMkLst>
+            <pc:docMk/>
+            <pc:sldMk cId="3961992228" sldId="258"/>
+            <ac:cxnSpMk id="54" creationId="{D1B42FA7-327E-94EA-DF5E-4F5B25F32CBE}"/>
+          </ac:cxnSpMkLst>
+        </pc:cxnChg>
+        <pc:cxnChg chg="add mod">
+          <ac:chgData name="Philippe Baucour" userId="5102170ae7533958" providerId="LiveId" clId="{C4634EC1-E8DC-4FAE-B843-C9AE3C4956A0}" dt="2025-11-23T11:22:25.675" v="907" actId="14100"/>
+          <ac:cxnSpMkLst>
+            <pc:docMk/>
+            <pc:sldMk cId="3961992228" sldId="258"/>
+            <ac:cxnSpMk id="56" creationId="{AB053E2F-C3F5-7D96-CB6C-6512F88C116D}"/>
+          </ac:cxnSpMkLst>
+        </pc:cxnChg>
+        <pc:cxnChg chg="add mod ord">
+          <ac:chgData name="Philippe Baucour" userId="5102170ae7533958" providerId="LiveId" clId="{C4634EC1-E8DC-4FAE-B843-C9AE3C4956A0}" dt="2025-11-23T11:30:39.182" v="1139" actId="1038"/>
+          <ac:cxnSpMkLst>
+            <pc:docMk/>
+            <pc:sldMk cId="3961992228" sldId="258"/>
+            <ac:cxnSpMk id="64" creationId="{15D169AD-3019-DF86-A393-231113385BBB}"/>
+          </ac:cxnSpMkLst>
+        </pc:cxnChg>
+        <pc:cxnChg chg="add mod ord">
+          <ac:chgData name="Philippe Baucour" userId="5102170ae7533958" providerId="LiveId" clId="{C4634EC1-E8DC-4FAE-B843-C9AE3C4956A0}" dt="2025-11-23T11:31:03.730" v="1142" actId="14100"/>
+          <ac:cxnSpMkLst>
+            <pc:docMk/>
+            <pc:sldMk cId="3961992228" sldId="258"/>
+            <ac:cxnSpMk id="65" creationId="{C9155800-07D6-92E2-26CF-9B6EAE6E4A5D}"/>
+          </ac:cxnSpMkLst>
+        </pc:cxnChg>
+        <pc:cxnChg chg="add del mod">
+          <ac:chgData name="Philippe Baucour" userId="5102170ae7533958" providerId="LiveId" clId="{C4634EC1-E8DC-4FAE-B843-C9AE3C4956A0}" dt="2025-11-23T11:31:06.755" v="1143" actId="478"/>
+          <ac:cxnSpMkLst>
+            <pc:docMk/>
+            <pc:sldMk cId="3961992228" sldId="258"/>
+            <ac:cxnSpMk id="68" creationId="{14E6A405-F2F5-55D6-AD5F-41C107408413}"/>
+          </ac:cxnSpMkLst>
+        </pc:cxnChg>
       </pc:sldChg>
     </pc:docChg>
   </pc:docChgLst>
@@ -288,7 +711,7 @@
           <a:p>
             <a:fld id="{2D3BE058-CAA6-442E-81C9-ED1747644904}" type="datetimeFigureOut">
               <a:rPr lang="fr-FR" smtClean="0"/>
-              <a:t>22/11/2025</a:t>
+              <a:t>23/11/2025</a:t>
             </a:fld>
             <a:endParaRPr lang="fr-FR"/>
           </a:p>
@@ -486,7 +909,7 @@
           <a:p>
             <a:fld id="{2D3BE058-CAA6-442E-81C9-ED1747644904}" type="datetimeFigureOut">
               <a:rPr lang="fr-FR" smtClean="0"/>
-              <a:t>22/11/2025</a:t>
+              <a:t>23/11/2025</a:t>
             </a:fld>
             <a:endParaRPr lang="fr-FR"/>
           </a:p>
@@ -694,7 +1117,7 @@
           <a:p>
             <a:fld id="{2D3BE058-CAA6-442E-81C9-ED1747644904}" type="datetimeFigureOut">
               <a:rPr lang="fr-FR" smtClean="0"/>
-              <a:t>22/11/2025</a:t>
+              <a:t>23/11/2025</a:t>
             </a:fld>
             <a:endParaRPr lang="fr-FR"/>
           </a:p>
@@ -892,7 +1315,7 @@
           <a:p>
             <a:fld id="{2D3BE058-CAA6-442E-81C9-ED1747644904}" type="datetimeFigureOut">
               <a:rPr lang="fr-FR" smtClean="0"/>
-              <a:t>22/11/2025</a:t>
+              <a:t>23/11/2025</a:t>
             </a:fld>
             <a:endParaRPr lang="fr-FR"/>
           </a:p>
@@ -1167,7 +1590,7 @@
           <a:p>
             <a:fld id="{2D3BE058-CAA6-442E-81C9-ED1747644904}" type="datetimeFigureOut">
               <a:rPr lang="fr-FR" smtClean="0"/>
-              <a:t>22/11/2025</a:t>
+              <a:t>23/11/2025</a:t>
             </a:fld>
             <a:endParaRPr lang="fr-FR"/>
           </a:p>
@@ -1432,7 +1855,7 @@
           <a:p>
             <a:fld id="{2D3BE058-CAA6-442E-81C9-ED1747644904}" type="datetimeFigureOut">
               <a:rPr lang="fr-FR" smtClean="0"/>
-              <a:t>22/11/2025</a:t>
+              <a:t>23/11/2025</a:t>
             </a:fld>
             <a:endParaRPr lang="fr-FR"/>
           </a:p>
@@ -1844,7 +2267,7 @@
           <a:p>
             <a:fld id="{2D3BE058-CAA6-442E-81C9-ED1747644904}" type="datetimeFigureOut">
               <a:rPr lang="fr-FR" smtClean="0"/>
-              <a:t>22/11/2025</a:t>
+              <a:t>23/11/2025</a:t>
             </a:fld>
             <a:endParaRPr lang="fr-FR"/>
           </a:p>
@@ -1985,7 +2408,7 @@
           <a:p>
             <a:fld id="{2D3BE058-CAA6-442E-81C9-ED1747644904}" type="datetimeFigureOut">
               <a:rPr lang="fr-FR" smtClean="0"/>
-              <a:t>22/11/2025</a:t>
+              <a:t>23/11/2025</a:t>
             </a:fld>
             <a:endParaRPr lang="fr-FR"/>
           </a:p>
@@ -2098,7 +2521,7 @@
           <a:p>
             <a:fld id="{2D3BE058-CAA6-442E-81C9-ED1747644904}" type="datetimeFigureOut">
               <a:rPr lang="fr-FR" smtClean="0"/>
-              <a:t>22/11/2025</a:t>
+              <a:t>23/11/2025</a:t>
             </a:fld>
             <a:endParaRPr lang="fr-FR"/>
           </a:p>
@@ -2409,7 +2832,7 @@
           <a:p>
             <a:fld id="{2D3BE058-CAA6-442E-81C9-ED1747644904}" type="datetimeFigureOut">
               <a:rPr lang="fr-FR" smtClean="0"/>
-              <a:t>22/11/2025</a:t>
+              <a:t>23/11/2025</a:t>
             </a:fld>
             <a:endParaRPr lang="fr-FR"/>
           </a:p>
@@ -2697,7 +3120,7 @@
           <a:p>
             <a:fld id="{2D3BE058-CAA6-442E-81C9-ED1747644904}" type="datetimeFigureOut">
               <a:rPr lang="fr-FR" smtClean="0"/>
-              <a:t>22/11/2025</a:t>
+              <a:t>23/11/2025</a:t>
             </a:fld>
             <a:endParaRPr lang="fr-FR"/>
           </a:p>
@@ -2938,7 +3361,7 @@
           <a:p>
             <a:fld id="{2D3BE058-CAA6-442E-81C9-ED1747644904}" type="datetimeFigureOut">
               <a:rPr lang="fr-FR" smtClean="0"/>
-              <a:t>22/11/2025</a:t>
+              <a:t>23/11/2025</a:t>
             </a:fld>
             <a:endParaRPr lang="fr-FR"/>
           </a:p>
@@ -4249,6 +4672,1400 @@
     <p:extLst>
       <p:ext uri="{BB962C8B-B14F-4D97-AF65-F5344CB8AC3E}">
         <p14:creationId xmlns:p14="http://schemas.microsoft.com/office/powerpoint/2010/main" val="3075318298"/>
+      </p:ext>
+    </p:extLst>
+  </p:cSld>
+  <p:clrMapOvr>
+    <a:masterClrMapping/>
+  </p:clrMapOvr>
+</p:sld>
+</file>
+
+<file path=ppt/slides/slide2.xml><?xml version="1.0" encoding="utf-8"?>
+<p:sld xmlns:a="http://schemas.openxmlformats.org/drawingml/2006/main" xmlns:r="http://schemas.openxmlformats.org/officeDocument/2006/relationships" xmlns:p="http://schemas.openxmlformats.org/presentationml/2006/main">
+  <p:cSld>
+    <p:spTree>
+      <p:nvGrpSpPr>
+        <p:cNvPr id="1" name="">
+          <a:extLst>
+            <a:ext uri="{FF2B5EF4-FFF2-40B4-BE49-F238E27FC236}">
+              <a16:creationId xmlns:a16="http://schemas.microsoft.com/office/drawing/2014/main" id="{F40CCCC4-48C5-3FED-EA51-C8AE340ECDC3}"/>
+            </a:ext>
+          </a:extLst>
+        </p:cNvPr>
+        <p:cNvGrpSpPr/>
+        <p:nvPr/>
+      </p:nvGrpSpPr>
+      <p:grpSpPr>
+        <a:xfrm>
+          <a:off x="0" y="0"/>
+          <a:ext cx="0" cy="0"/>
+          <a:chOff x="0" y="0"/>
+          <a:chExt cx="0" cy="0"/>
+        </a:xfrm>
+      </p:grpSpPr>
+      <p:cxnSp>
+        <p:nvCxnSpPr>
+          <p:cNvPr id="64" name="Connecteur droit 63">
+            <a:extLst>
+              <a:ext uri="{FF2B5EF4-FFF2-40B4-BE49-F238E27FC236}">
+                <a16:creationId xmlns:a16="http://schemas.microsoft.com/office/drawing/2014/main" id="{15D169AD-3019-DF86-A393-231113385BBB}"/>
+              </a:ext>
+            </a:extLst>
+          </p:cNvPr>
+          <p:cNvCxnSpPr>
+            <a:cxnSpLocks/>
+          </p:cNvCxnSpPr>
+          <p:nvPr/>
+        </p:nvCxnSpPr>
+        <p:spPr>
+          <a:xfrm flipH="1">
+            <a:off x="5124496" y="3415810"/>
+            <a:ext cx="458424" cy="955479"/>
+          </a:xfrm>
+          <a:prstGeom prst="line">
+            <a:avLst/>
+          </a:prstGeom>
+          <a:ln w="76200"/>
+        </p:spPr>
+        <p:style>
+          <a:lnRef idx="2">
+            <a:schemeClr val="dk1"/>
+          </a:lnRef>
+          <a:fillRef idx="0">
+            <a:schemeClr val="dk1"/>
+          </a:fillRef>
+          <a:effectRef idx="1">
+            <a:schemeClr val="dk1"/>
+          </a:effectRef>
+          <a:fontRef idx="minor">
+            <a:schemeClr val="tx1"/>
+          </a:fontRef>
+        </p:style>
+      </p:cxnSp>
+      <p:cxnSp>
+        <p:nvCxnSpPr>
+          <p:cNvPr id="65" name="Connecteur droit 64">
+            <a:extLst>
+              <a:ext uri="{FF2B5EF4-FFF2-40B4-BE49-F238E27FC236}">
+                <a16:creationId xmlns:a16="http://schemas.microsoft.com/office/drawing/2014/main" id="{C9155800-07D6-92E2-26CF-9B6EAE6E4A5D}"/>
+              </a:ext>
+            </a:extLst>
+          </p:cNvPr>
+          <p:cNvCxnSpPr>
+            <a:cxnSpLocks/>
+          </p:cNvCxnSpPr>
+          <p:nvPr/>
+        </p:nvCxnSpPr>
+        <p:spPr>
+          <a:xfrm>
+            <a:off x="6521198" y="3415810"/>
+            <a:ext cx="593366" cy="955479"/>
+          </a:xfrm>
+          <a:prstGeom prst="line">
+            <a:avLst/>
+          </a:prstGeom>
+          <a:ln w="76200"/>
+        </p:spPr>
+        <p:style>
+          <a:lnRef idx="2">
+            <a:schemeClr val="dk1"/>
+          </a:lnRef>
+          <a:fillRef idx="0">
+            <a:schemeClr val="dk1"/>
+          </a:fillRef>
+          <a:effectRef idx="1">
+            <a:schemeClr val="dk1"/>
+          </a:effectRef>
+          <a:fontRef idx="minor">
+            <a:schemeClr val="tx1"/>
+          </a:fontRef>
+        </p:style>
+      </p:cxnSp>
+      <p:pic>
+        <p:nvPicPr>
+          <p:cNvPr id="7" name="Graphique 6" descr="Homme avec un remplissage uni">
+            <a:extLst>
+              <a:ext uri="{FF2B5EF4-FFF2-40B4-BE49-F238E27FC236}">
+                <a16:creationId xmlns:a16="http://schemas.microsoft.com/office/drawing/2014/main" id="{53764259-DCF4-8B48-E950-90738FD096B6}"/>
+              </a:ext>
+            </a:extLst>
+          </p:cNvPr>
+          <p:cNvPicPr>
+            <a:picLocks noChangeAspect="1"/>
+          </p:cNvPicPr>
+          <p:nvPr/>
+        </p:nvPicPr>
+        <p:blipFill>
+          <a:blip r:embed="rId2">
+            <a:extLst>
+              <a:ext uri="{96DAC541-7B7A-43D3-8B79-37D633B846F1}">
+                <asvg:svgBlip xmlns:asvg="http://schemas.microsoft.com/office/drawing/2016/SVG/main" r:embed="rId3"/>
+              </a:ext>
+            </a:extLst>
+          </a:blip>
+          <a:stretch>
+            <a:fillRect/>
+          </a:stretch>
+        </p:blipFill>
+        <p:spPr>
+          <a:xfrm>
+            <a:off x="2504526" y="1418192"/>
+            <a:ext cx="2025610" cy="2025610"/>
+          </a:xfrm>
+          <a:prstGeom prst="rect">
+            <a:avLst/>
+          </a:prstGeom>
+        </p:spPr>
+      </p:pic>
+      <p:cxnSp>
+        <p:nvCxnSpPr>
+          <p:cNvPr id="18" name="Connecteur droit 17">
+            <a:extLst>
+              <a:ext uri="{FF2B5EF4-FFF2-40B4-BE49-F238E27FC236}">
+                <a16:creationId xmlns:a16="http://schemas.microsoft.com/office/drawing/2014/main" id="{FA2BEE6E-8942-12C9-12A8-8386F5969BC0}"/>
+              </a:ext>
+            </a:extLst>
+          </p:cNvPr>
+          <p:cNvCxnSpPr>
+            <a:cxnSpLocks/>
+          </p:cNvCxnSpPr>
+          <p:nvPr/>
+        </p:nvCxnSpPr>
+        <p:spPr>
+          <a:xfrm flipV="1">
+            <a:off x="3895344" y="1567181"/>
+            <a:ext cx="2360531" cy="401827"/>
+          </a:xfrm>
+          <a:prstGeom prst="line">
+            <a:avLst/>
+          </a:prstGeom>
+        </p:spPr>
+        <p:style>
+          <a:lnRef idx="2">
+            <a:schemeClr val="accent6"/>
+          </a:lnRef>
+          <a:fillRef idx="0">
+            <a:schemeClr val="accent6"/>
+          </a:fillRef>
+          <a:effectRef idx="1">
+            <a:schemeClr val="accent6"/>
+          </a:effectRef>
+          <a:fontRef idx="minor">
+            <a:schemeClr val="tx1"/>
+          </a:fontRef>
+        </p:style>
+      </p:cxnSp>
+      <p:sp>
+        <p:nvSpPr>
+          <p:cNvPr id="2" name="Rectangle 1">
+            <a:extLst>
+              <a:ext uri="{FF2B5EF4-FFF2-40B4-BE49-F238E27FC236}">
+                <a16:creationId xmlns:a16="http://schemas.microsoft.com/office/drawing/2014/main" id="{A26A2538-BC52-721B-3538-36ABD2202D3E}"/>
+              </a:ext>
+            </a:extLst>
+          </p:cNvPr>
+          <p:cNvSpPr/>
+          <p:nvPr/>
+        </p:nvSpPr>
+        <p:spPr>
+          <a:xfrm>
+            <a:off x="4175759" y="1208314"/>
+            <a:ext cx="3738667" cy="2220686"/>
+          </a:xfrm>
+          <a:prstGeom prst="rect">
+            <a:avLst/>
+          </a:prstGeom>
+          <a:solidFill>
+            <a:schemeClr val="bg1">
+              <a:lumMod val="95000"/>
+              <a:alpha val="80000"/>
+            </a:schemeClr>
+          </a:solidFill>
+        </p:spPr>
+        <p:style>
+          <a:lnRef idx="2">
+            <a:schemeClr val="accent1">
+              <a:shade val="15000"/>
+            </a:schemeClr>
+          </a:lnRef>
+          <a:fillRef idx="1">
+            <a:schemeClr val="accent1"/>
+          </a:fillRef>
+          <a:effectRef idx="0">
+            <a:schemeClr val="accent1"/>
+          </a:effectRef>
+          <a:fontRef idx="minor">
+            <a:schemeClr val="lt1"/>
+          </a:fontRef>
+        </p:style>
+        <p:txBody>
+          <a:bodyPr rtlCol="0" anchor="ctr"/>
+          <a:lstStyle/>
+          <a:p>
+            <a:pPr algn="ctr"/>
+            <a:endParaRPr lang="fr-FR"/>
+          </a:p>
+        </p:txBody>
+      </p:sp>
+      <p:pic>
+        <p:nvPicPr>
+          <p:cNvPr id="8" name="Graphique 7" descr="Homme avec un remplissage uni">
+            <a:extLst>
+              <a:ext uri="{FF2B5EF4-FFF2-40B4-BE49-F238E27FC236}">
+                <a16:creationId xmlns:a16="http://schemas.microsoft.com/office/drawing/2014/main" id="{273CE7EE-108B-C1DE-59B7-2B459D947DA0}"/>
+              </a:ext>
+            </a:extLst>
+          </p:cNvPr>
+          <p:cNvPicPr>
+            <a:picLocks noChangeAspect="1"/>
+          </p:cNvPicPr>
+          <p:nvPr/>
+        </p:nvPicPr>
+        <p:blipFill>
+          <a:blip r:embed="rId2">
+            <a:extLst>
+              <a:ext uri="{96DAC541-7B7A-43D3-8B79-37D633B846F1}">
+                <asvg:svgBlip xmlns:asvg="http://schemas.microsoft.com/office/drawing/2016/SVG/main" r:embed="rId3"/>
+              </a:ext>
+            </a:extLst>
+          </a:blip>
+          <a:stretch>
+            <a:fillRect/>
+          </a:stretch>
+        </p:blipFill>
+        <p:spPr>
+          <a:xfrm>
+            <a:off x="5917434" y="2641600"/>
+            <a:ext cx="2733767" cy="2733767"/>
+          </a:xfrm>
+          <a:prstGeom prst="rect">
+            <a:avLst/>
+          </a:prstGeom>
+        </p:spPr>
+      </p:pic>
+      <p:grpSp>
+        <p:nvGrpSpPr>
+          <p:cNvPr id="17" name="Groupe 16">
+            <a:extLst>
+              <a:ext uri="{FF2B5EF4-FFF2-40B4-BE49-F238E27FC236}">
+                <a16:creationId xmlns:a16="http://schemas.microsoft.com/office/drawing/2014/main" id="{41FD68D1-1375-0F12-3B95-BED3418B44BB}"/>
+              </a:ext>
+            </a:extLst>
+          </p:cNvPr>
+          <p:cNvGrpSpPr/>
+          <p:nvPr/>
+        </p:nvGrpSpPr>
+        <p:grpSpPr>
+          <a:xfrm>
+            <a:off x="6255875" y="1418192"/>
+            <a:ext cx="1305414" cy="1305414"/>
+            <a:chOff x="3709851" y="4134394"/>
+            <a:chExt cx="1305414" cy="1305414"/>
+          </a:xfrm>
+        </p:grpSpPr>
+        <p:sp>
+          <p:nvSpPr>
+            <p:cNvPr id="3" name="Ellipse 2">
+              <a:extLst>
+                <a:ext uri="{FF2B5EF4-FFF2-40B4-BE49-F238E27FC236}">
+                  <a16:creationId xmlns:a16="http://schemas.microsoft.com/office/drawing/2014/main" id="{A4D05CCA-64F4-AE10-B20D-A4ABA1108239}"/>
+                </a:ext>
+              </a:extLst>
+            </p:cNvPr>
+            <p:cNvSpPr/>
+            <p:nvPr/>
+          </p:nvSpPr>
+          <p:spPr>
+            <a:xfrm>
+              <a:off x="3709851" y="4134394"/>
+              <a:ext cx="1305414" cy="1305414"/>
+            </a:xfrm>
+            <a:prstGeom prst="ellipse">
+              <a:avLst/>
+            </a:prstGeom>
+            <a:solidFill>
+              <a:srgbClr val="C00000"/>
+            </a:solidFill>
+            <a:ln>
+              <a:noFill/>
+            </a:ln>
+          </p:spPr>
+          <p:style>
+            <a:lnRef idx="2">
+              <a:schemeClr val="accent1">
+                <a:shade val="15000"/>
+              </a:schemeClr>
+            </a:lnRef>
+            <a:fillRef idx="1">
+              <a:schemeClr val="accent1"/>
+            </a:fillRef>
+            <a:effectRef idx="0">
+              <a:schemeClr val="accent1"/>
+            </a:effectRef>
+            <a:fontRef idx="minor">
+              <a:schemeClr val="lt1"/>
+            </a:fontRef>
+          </p:style>
+          <p:txBody>
+            <a:bodyPr rtlCol="0" anchor="ctr"/>
+            <a:lstStyle/>
+            <a:p>
+              <a:pPr algn="ctr"/>
+              <a:endParaRPr lang="fr-FR"/>
+            </a:p>
+          </p:txBody>
+        </p:sp>
+        <p:sp>
+          <p:nvSpPr>
+            <p:cNvPr id="4" name="Ellipse 3">
+              <a:extLst>
+                <a:ext uri="{FF2B5EF4-FFF2-40B4-BE49-F238E27FC236}">
+                  <a16:creationId xmlns:a16="http://schemas.microsoft.com/office/drawing/2014/main" id="{B6C2245B-309D-7198-C9A7-4561BA438570}"/>
+                </a:ext>
+              </a:extLst>
+            </p:cNvPr>
+            <p:cNvSpPr/>
+            <p:nvPr/>
+          </p:nvSpPr>
+          <p:spPr>
+            <a:xfrm>
+              <a:off x="3800419" y="4224962"/>
+              <a:ext cx="1124278" cy="1124278"/>
+            </a:xfrm>
+            <a:prstGeom prst="ellipse">
+              <a:avLst/>
+            </a:prstGeom>
+            <a:solidFill>
+              <a:schemeClr val="bg1"/>
+            </a:solidFill>
+            <a:ln>
+              <a:noFill/>
+            </a:ln>
+          </p:spPr>
+          <p:style>
+            <a:lnRef idx="2">
+              <a:schemeClr val="accent1">
+                <a:shade val="15000"/>
+              </a:schemeClr>
+            </a:lnRef>
+            <a:fillRef idx="1">
+              <a:schemeClr val="accent1"/>
+            </a:fillRef>
+            <a:effectRef idx="0">
+              <a:schemeClr val="accent1"/>
+            </a:effectRef>
+            <a:fontRef idx="minor">
+              <a:schemeClr val="lt1"/>
+            </a:fontRef>
+          </p:style>
+          <p:txBody>
+            <a:bodyPr rtlCol="0" anchor="ctr"/>
+            <a:lstStyle/>
+            <a:p>
+              <a:pPr algn="ctr"/>
+              <a:endParaRPr lang="fr-FR"/>
+            </a:p>
+          </p:txBody>
+        </p:sp>
+        <p:sp>
+          <p:nvSpPr>
+            <p:cNvPr id="6" name="Ellipse 5">
+              <a:extLst>
+                <a:ext uri="{FF2B5EF4-FFF2-40B4-BE49-F238E27FC236}">
+                  <a16:creationId xmlns:a16="http://schemas.microsoft.com/office/drawing/2014/main" id="{7B9190FB-7DED-E341-F213-EC88EDC18692}"/>
+                </a:ext>
+              </a:extLst>
+            </p:cNvPr>
+            <p:cNvSpPr/>
+            <p:nvPr/>
+          </p:nvSpPr>
+          <p:spPr>
+            <a:xfrm>
+              <a:off x="3858840" y="4283383"/>
+              <a:ext cx="1007438" cy="1007438"/>
+            </a:xfrm>
+            <a:prstGeom prst="ellipse">
+              <a:avLst/>
+            </a:prstGeom>
+            <a:solidFill>
+              <a:srgbClr val="C00000"/>
+            </a:solidFill>
+            <a:ln>
+              <a:noFill/>
+            </a:ln>
+          </p:spPr>
+          <p:style>
+            <a:lnRef idx="2">
+              <a:schemeClr val="accent1">
+                <a:shade val="15000"/>
+              </a:schemeClr>
+            </a:lnRef>
+            <a:fillRef idx="1">
+              <a:schemeClr val="accent1"/>
+            </a:fillRef>
+            <a:effectRef idx="0">
+              <a:schemeClr val="accent1"/>
+            </a:effectRef>
+            <a:fontRef idx="minor">
+              <a:schemeClr val="lt1"/>
+            </a:fontRef>
+          </p:style>
+          <p:txBody>
+            <a:bodyPr rtlCol="0" anchor="ctr"/>
+            <a:lstStyle/>
+            <a:p>
+              <a:pPr algn="ctr"/>
+              <a:endParaRPr lang="fr-FR"/>
+            </a:p>
+          </p:txBody>
+        </p:sp>
+        <p:sp>
+          <p:nvSpPr>
+            <p:cNvPr id="9" name="Ellipse 8">
+              <a:extLst>
+                <a:ext uri="{FF2B5EF4-FFF2-40B4-BE49-F238E27FC236}">
+                  <a16:creationId xmlns:a16="http://schemas.microsoft.com/office/drawing/2014/main" id="{D7CAC77C-27D1-1FAC-8E96-9F681B0AB61B}"/>
+                </a:ext>
+              </a:extLst>
+            </p:cNvPr>
+            <p:cNvSpPr/>
+            <p:nvPr/>
+          </p:nvSpPr>
+          <p:spPr>
+            <a:xfrm>
+              <a:off x="3929959" y="4354502"/>
+              <a:ext cx="865198" cy="865198"/>
+            </a:xfrm>
+            <a:prstGeom prst="ellipse">
+              <a:avLst/>
+            </a:prstGeom>
+            <a:solidFill>
+              <a:schemeClr val="bg1"/>
+            </a:solidFill>
+            <a:ln>
+              <a:noFill/>
+            </a:ln>
+          </p:spPr>
+          <p:style>
+            <a:lnRef idx="2">
+              <a:schemeClr val="accent1">
+                <a:shade val="15000"/>
+              </a:schemeClr>
+            </a:lnRef>
+            <a:fillRef idx="1">
+              <a:schemeClr val="accent1"/>
+            </a:fillRef>
+            <a:effectRef idx="0">
+              <a:schemeClr val="accent1"/>
+            </a:effectRef>
+            <a:fontRef idx="minor">
+              <a:schemeClr val="lt1"/>
+            </a:fontRef>
+          </p:style>
+          <p:txBody>
+            <a:bodyPr rtlCol="0" anchor="ctr"/>
+            <a:lstStyle/>
+            <a:p>
+              <a:pPr algn="ctr"/>
+              <a:endParaRPr lang="fr-FR"/>
+            </a:p>
+          </p:txBody>
+        </p:sp>
+        <p:sp>
+          <p:nvSpPr>
+            <p:cNvPr id="10" name="Ellipse 9">
+              <a:extLst>
+                <a:ext uri="{FF2B5EF4-FFF2-40B4-BE49-F238E27FC236}">
+                  <a16:creationId xmlns:a16="http://schemas.microsoft.com/office/drawing/2014/main" id="{CC5C2BA2-C030-ED53-4A7F-5B58B475746C}"/>
+                </a:ext>
+              </a:extLst>
+            </p:cNvPr>
+            <p:cNvSpPr/>
+            <p:nvPr/>
+          </p:nvSpPr>
+          <p:spPr>
+            <a:xfrm>
+              <a:off x="4011240" y="4435783"/>
+              <a:ext cx="702638" cy="702638"/>
+            </a:xfrm>
+            <a:prstGeom prst="ellipse">
+              <a:avLst/>
+            </a:prstGeom>
+            <a:solidFill>
+              <a:srgbClr val="C00000"/>
+            </a:solidFill>
+            <a:ln>
+              <a:noFill/>
+            </a:ln>
+          </p:spPr>
+          <p:style>
+            <a:lnRef idx="2">
+              <a:schemeClr val="accent1">
+                <a:shade val="15000"/>
+              </a:schemeClr>
+            </a:lnRef>
+            <a:fillRef idx="1">
+              <a:schemeClr val="accent1"/>
+            </a:fillRef>
+            <a:effectRef idx="0">
+              <a:schemeClr val="accent1"/>
+            </a:effectRef>
+            <a:fontRef idx="minor">
+              <a:schemeClr val="lt1"/>
+            </a:fontRef>
+          </p:style>
+          <p:txBody>
+            <a:bodyPr rtlCol="0" anchor="ctr"/>
+            <a:lstStyle/>
+            <a:p>
+              <a:pPr algn="ctr"/>
+              <a:endParaRPr lang="fr-FR"/>
+            </a:p>
+          </p:txBody>
+        </p:sp>
+        <p:sp>
+          <p:nvSpPr>
+            <p:cNvPr id="13" name="Ellipse 12">
+              <a:extLst>
+                <a:ext uri="{FF2B5EF4-FFF2-40B4-BE49-F238E27FC236}">
+                  <a16:creationId xmlns:a16="http://schemas.microsoft.com/office/drawing/2014/main" id="{F7AC9915-B38C-1B32-E582-99DA8FA5C834}"/>
+                </a:ext>
+              </a:extLst>
+            </p:cNvPr>
+            <p:cNvSpPr/>
+            <p:nvPr/>
+          </p:nvSpPr>
+          <p:spPr>
+            <a:xfrm>
+              <a:off x="4097236" y="4516336"/>
+              <a:ext cx="530644" cy="530644"/>
+            </a:xfrm>
+            <a:prstGeom prst="ellipse">
+              <a:avLst/>
+            </a:prstGeom>
+            <a:solidFill>
+              <a:schemeClr val="bg1"/>
+            </a:solidFill>
+            <a:ln>
+              <a:noFill/>
+            </a:ln>
+          </p:spPr>
+          <p:style>
+            <a:lnRef idx="2">
+              <a:schemeClr val="accent1">
+                <a:shade val="15000"/>
+              </a:schemeClr>
+            </a:lnRef>
+            <a:fillRef idx="1">
+              <a:schemeClr val="accent1"/>
+            </a:fillRef>
+            <a:effectRef idx="0">
+              <a:schemeClr val="accent1"/>
+            </a:effectRef>
+            <a:fontRef idx="minor">
+              <a:schemeClr val="lt1"/>
+            </a:fontRef>
+          </p:style>
+          <p:txBody>
+            <a:bodyPr rtlCol="0" anchor="ctr"/>
+            <a:lstStyle/>
+            <a:p>
+              <a:pPr algn="ctr"/>
+              <a:endParaRPr lang="fr-FR"/>
+            </a:p>
+          </p:txBody>
+        </p:sp>
+        <p:sp>
+          <p:nvSpPr>
+            <p:cNvPr id="15" name="Ellipse 14">
+              <a:extLst>
+                <a:ext uri="{FF2B5EF4-FFF2-40B4-BE49-F238E27FC236}">
+                  <a16:creationId xmlns:a16="http://schemas.microsoft.com/office/drawing/2014/main" id="{562D5AE8-5F2F-230A-6B92-24AF16DBAFAD}"/>
+                </a:ext>
+              </a:extLst>
+            </p:cNvPr>
+            <p:cNvSpPr/>
+            <p:nvPr/>
+          </p:nvSpPr>
+          <p:spPr>
+            <a:xfrm flipH="1" flipV="1">
+              <a:off x="4175976" y="4595076"/>
+              <a:ext cx="373164" cy="373164"/>
+            </a:xfrm>
+            <a:prstGeom prst="ellipse">
+              <a:avLst/>
+            </a:prstGeom>
+            <a:solidFill>
+              <a:srgbClr val="C00000"/>
+            </a:solidFill>
+            <a:ln>
+              <a:noFill/>
+            </a:ln>
+          </p:spPr>
+          <p:style>
+            <a:lnRef idx="2">
+              <a:schemeClr val="accent1">
+                <a:shade val="15000"/>
+              </a:schemeClr>
+            </a:lnRef>
+            <a:fillRef idx="1">
+              <a:schemeClr val="accent1"/>
+            </a:fillRef>
+            <a:effectRef idx="0">
+              <a:schemeClr val="accent1"/>
+            </a:effectRef>
+            <a:fontRef idx="minor">
+              <a:schemeClr val="lt1"/>
+            </a:fontRef>
+          </p:style>
+          <p:txBody>
+            <a:bodyPr rtlCol="0" anchor="ctr"/>
+            <a:lstStyle/>
+            <a:p>
+              <a:pPr algn="ctr"/>
+              <a:endParaRPr lang="fr-FR"/>
+            </a:p>
+          </p:txBody>
+        </p:sp>
+      </p:grpSp>
+      <p:sp>
+        <p:nvSpPr>
+          <p:cNvPr id="23" name="Ellipse 22">
+            <a:extLst>
+              <a:ext uri="{FF2B5EF4-FFF2-40B4-BE49-F238E27FC236}">
+                <a16:creationId xmlns:a16="http://schemas.microsoft.com/office/drawing/2014/main" id="{C8E2C03B-1388-9714-7D76-DD2523C80BD3}"/>
+              </a:ext>
+            </a:extLst>
+          </p:cNvPr>
+          <p:cNvSpPr/>
+          <p:nvPr/>
+        </p:nvSpPr>
+        <p:spPr>
+          <a:xfrm>
+            <a:off x="6219764" y="1530605"/>
+            <a:ext cx="72222" cy="73152"/>
+          </a:xfrm>
+          <a:prstGeom prst="ellipse">
+            <a:avLst/>
+          </a:prstGeom>
+          <a:solidFill>
+            <a:srgbClr val="92D050"/>
+          </a:solidFill>
+          <a:ln>
+            <a:noFill/>
+          </a:ln>
+        </p:spPr>
+        <p:style>
+          <a:lnRef idx="2">
+            <a:schemeClr val="accent1">
+              <a:shade val="15000"/>
+            </a:schemeClr>
+          </a:lnRef>
+          <a:fillRef idx="1">
+            <a:schemeClr val="accent1"/>
+          </a:fillRef>
+          <a:effectRef idx="0">
+            <a:schemeClr val="accent1"/>
+          </a:effectRef>
+          <a:fontRef idx="minor">
+            <a:schemeClr val="lt1"/>
+          </a:fontRef>
+        </p:style>
+        <p:txBody>
+          <a:bodyPr rtlCol="0" anchor="ctr"/>
+          <a:lstStyle/>
+          <a:p>
+            <a:pPr algn="ctr"/>
+            <a:endParaRPr lang="fr-FR"/>
+          </a:p>
+        </p:txBody>
+      </p:sp>
+      <p:sp>
+        <p:nvSpPr>
+          <p:cNvPr id="27" name="ZoneTexte 26">
+            <a:extLst>
+              <a:ext uri="{FF2B5EF4-FFF2-40B4-BE49-F238E27FC236}">
+                <a16:creationId xmlns:a16="http://schemas.microsoft.com/office/drawing/2014/main" id="{09F3884A-3E00-892C-2E50-00C4494E6524}"/>
+              </a:ext>
+            </a:extLst>
+          </p:cNvPr>
+          <p:cNvSpPr txBox="1"/>
+          <p:nvPr/>
+        </p:nvSpPr>
+        <p:spPr>
+          <a:xfrm>
+            <a:off x="9287028" y="1672590"/>
+            <a:ext cx="745717" cy="253916"/>
+          </a:xfrm>
+          <a:prstGeom prst="rect">
+            <a:avLst/>
+          </a:prstGeom>
+          <a:noFill/>
+        </p:spPr>
+        <p:txBody>
+          <a:bodyPr wrap="none" rtlCol="0">
+            <a:spAutoFit/>
+          </a:bodyPr>
+          <a:lstStyle/>
+          <a:p>
+            <a:r>
+              <a:rPr lang="en-US" sz="1050" noProof="0" dirty="0" err="1">
+                <a:latin typeface="Courier New" panose="02070309020205020404" pitchFamily="49" charset="0"/>
+                <a:cs typeface="Courier New" panose="02070309020205020404" pitchFamily="49" charset="0"/>
+              </a:rPr>
+              <a:t>error_y</a:t>
+            </a:r>
+            <a:endParaRPr lang="en-US" sz="1050" noProof="0" dirty="0">
+              <a:latin typeface="Courier New" panose="02070309020205020404" pitchFamily="49" charset="0"/>
+              <a:cs typeface="Courier New" panose="02070309020205020404" pitchFamily="49" charset="0"/>
+            </a:endParaRPr>
+          </a:p>
+        </p:txBody>
+      </p:sp>
+      <p:cxnSp>
+        <p:nvCxnSpPr>
+          <p:cNvPr id="28" name="Connecteur droit 27">
+            <a:extLst>
+              <a:ext uri="{FF2B5EF4-FFF2-40B4-BE49-F238E27FC236}">
+                <a16:creationId xmlns:a16="http://schemas.microsoft.com/office/drawing/2014/main" id="{738D660C-905C-B36A-261A-144F3E4CA6FB}"/>
+              </a:ext>
+            </a:extLst>
+          </p:cNvPr>
+          <p:cNvCxnSpPr>
+            <a:cxnSpLocks/>
+          </p:cNvCxnSpPr>
+          <p:nvPr/>
+        </p:nvCxnSpPr>
+        <p:spPr>
+          <a:xfrm>
+            <a:off x="6972300" y="2070953"/>
+            <a:ext cx="1097280" cy="0"/>
+          </a:xfrm>
+          <a:prstGeom prst="line">
+            <a:avLst/>
+          </a:prstGeom>
+          <a:ln>
+            <a:solidFill>
+              <a:schemeClr val="tx1"/>
+            </a:solidFill>
+            <a:prstDash val="dash"/>
+            <a:headEnd type="triangle"/>
+          </a:ln>
+        </p:spPr>
+        <p:style>
+          <a:lnRef idx="2">
+            <a:schemeClr val="accent1"/>
+          </a:lnRef>
+          <a:fillRef idx="0">
+            <a:schemeClr val="accent1"/>
+          </a:fillRef>
+          <a:effectRef idx="1">
+            <a:schemeClr val="accent1"/>
+          </a:effectRef>
+          <a:fontRef idx="minor">
+            <a:schemeClr val="tx1"/>
+          </a:fontRef>
+        </p:style>
+      </p:cxnSp>
+      <p:sp>
+        <p:nvSpPr>
+          <p:cNvPr id="32" name="ZoneTexte 31">
+            <a:extLst>
+              <a:ext uri="{FF2B5EF4-FFF2-40B4-BE49-F238E27FC236}">
+                <a16:creationId xmlns:a16="http://schemas.microsoft.com/office/drawing/2014/main" id="{AD33A93E-3974-4BA7-DDF8-5DCAF2AA3CDC}"/>
+              </a:ext>
+            </a:extLst>
+          </p:cNvPr>
+          <p:cNvSpPr txBox="1"/>
+          <p:nvPr/>
+        </p:nvSpPr>
+        <p:spPr>
+          <a:xfrm>
+            <a:off x="7999740" y="1946027"/>
+            <a:ext cx="825867" cy="253916"/>
+          </a:xfrm>
+          <a:prstGeom prst="rect">
+            <a:avLst/>
+          </a:prstGeom>
+          <a:noFill/>
+        </p:spPr>
+        <p:txBody>
+          <a:bodyPr wrap="none" rtlCol="0">
+            <a:spAutoFit/>
+          </a:bodyPr>
+          <a:lstStyle/>
+          <a:p>
+            <a:r>
+              <a:rPr lang="en-US" sz="1050" dirty="0" err="1">
+                <a:latin typeface="Courier New" panose="02070309020205020404" pitchFamily="49" charset="0"/>
+                <a:cs typeface="Courier New" panose="02070309020205020404" pitchFamily="49" charset="0"/>
+              </a:rPr>
+              <a:t>y_target</a:t>
+            </a:r>
+            <a:endParaRPr lang="en-US" sz="1050" noProof="0" dirty="0">
+              <a:latin typeface="Courier New" panose="02070309020205020404" pitchFamily="49" charset="0"/>
+              <a:cs typeface="Courier New" panose="02070309020205020404" pitchFamily="49" charset="0"/>
+            </a:endParaRPr>
+          </a:p>
+        </p:txBody>
+      </p:sp>
+      <p:sp>
+        <p:nvSpPr>
+          <p:cNvPr id="34" name="ZoneTexte 33">
+            <a:extLst>
+              <a:ext uri="{FF2B5EF4-FFF2-40B4-BE49-F238E27FC236}">
+                <a16:creationId xmlns:a16="http://schemas.microsoft.com/office/drawing/2014/main" id="{147250B3-4D56-9431-F4B9-38C06D810C13}"/>
+              </a:ext>
+            </a:extLst>
+          </p:cNvPr>
+          <p:cNvSpPr txBox="1"/>
+          <p:nvPr/>
+        </p:nvSpPr>
+        <p:spPr>
+          <a:xfrm>
+            <a:off x="8158002" y="1418674"/>
+            <a:ext cx="745717" cy="253916"/>
+          </a:xfrm>
+          <a:prstGeom prst="rect">
+            <a:avLst/>
+          </a:prstGeom>
+          <a:noFill/>
+        </p:spPr>
+        <p:txBody>
+          <a:bodyPr wrap="none" rtlCol="0">
+            <a:spAutoFit/>
+          </a:bodyPr>
+          <a:lstStyle/>
+          <a:p>
+            <a:pPr algn="r"/>
+            <a:r>
+              <a:rPr lang="en-US" sz="1050" dirty="0" err="1">
+                <a:latin typeface="Courier New" panose="02070309020205020404" pitchFamily="49" charset="0"/>
+                <a:cs typeface="Courier New" panose="02070309020205020404" pitchFamily="49" charset="0"/>
+              </a:rPr>
+              <a:t>y_laser</a:t>
+            </a:r>
+            <a:endParaRPr lang="en-US" sz="1050" noProof="0" dirty="0">
+              <a:latin typeface="Courier New" panose="02070309020205020404" pitchFamily="49" charset="0"/>
+              <a:cs typeface="Courier New" panose="02070309020205020404" pitchFamily="49" charset="0"/>
+            </a:endParaRPr>
+          </a:p>
+        </p:txBody>
+      </p:sp>
+      <p:cxnSp>
+        <p:nvCxnSpPr>
+          <p:cNvPr id="38" name="Connecteur droit 37">
+            <a:extLst>
+              <a:ext uri="{FF2B5EF4-FFF2-40B4-BE49-F238E27FC236}">
+                <a16:creationId xmlns:a16="http://schemas.microsoft.com/office/drawing/2014/main" id="{18C95C7A-147B-A1C4-C6BA-53E2A72978F3}"/>
+              </a:ext>
+            </a:extLst>
+          </p:cNvPr>
+          <p:cNvCxnSpPr>
+            <a:cxnSpLocks/>
+          </p:cNvCxnSpPr>
+          <p:nvPr/>
+        </p:nvCxnSpPr>
+        <p:spPr>
+          <a:xfrm flipH="1">
+            <a:off x="8752593" y="2072985"/>
+            <a:ext cx="401955" cy="0"/>
+          </a:xfrm>
+          <a:prstGeom prst="line">
+            <a:avLst/>
+          </a:prstGeom>
+          <a:ln>
+            <a:prstDash val="dash"/>
+          </a:ln>
+        </p:spPr>
+        <p:style>
+          <a:lnRef idx="2">
+            <a:schemeClr val="dk1"/>
+          </a:lnRef>
+          <a:fillRef idx="0">
+            <a:schemeClr val="dk1"/>
+          </a:fillRef>
+          <a:effectRef idx="1">
+            <a:schemeClr val="dk1"/>
+          </a:effectRef>
+          <a:fontRef idx="minor">
+            <a:schemeClr val="tx1"/>
+          </a:fontRef>
+        </p:style>
+      </p:cxnSp>
+      <p:cxnSp>
+        <p:nvCxnSpPr>
+          <p:cNvPr id="39" name="Connecteur droit avec flèche 38">
+            <a:extLst>
+              <a:ext uri="{FF2B5EF4-FFF2-40B4-BE49-F238E27FC236}">
+                <a16:creationId xmlns:a16="http://schemas.microsoft.com/office/drawing/2014/main" id="{DCE12948-DD14-A80B-BBF5-4A4C3F683A6E}"/>
+              </a:ext>
+            </a:extLst>
+          </p:cNvPr>
+          <p:cNvCxnSpPr>
+            <a:cxnSpLocks/>
+          </p:cNvCxnSpPr>
+          <p:nvPr/>
+        </p:nvCxnSpPr>
+        <p:spPr>
+          <a:xfrm>
+            <a:off x="9250359" y="1603757"/>
+            <a:ext cx="0" cy="461699"/>
+          </a:xfrm>
+          <a:prstGeom prst="straightConnector1">
+            <a:avLst/>
+          </a:prstGeom>
+          <a:ln>
+            <a:headEnd type="triangle"/>
+            <a:tailEnd type="triangle"/>
+          </a:ln>
+        </p:spPr>
+        <p:style>
+          <a:lnRef idx="2">
+            <a:schemeClr val="accent5"/>
+          </a:lnRef>
+          <a:fillRef idx="0">
+            <a:schemeClr val="accent5"/>
+          </a:fillRef>
+          <a:effectRef idx="1">
+            <a:schemeClr val="accent5"/>
+          </a:effectRef>
+          <a:fontRef idx="minor">
+            <a:schemeClr val="tx1"/>
+          </a:fontRef>
+        </p:style>
+      </p:cxnSp>
+      <p:cxnSp>
+        <p:nvCxnSpPr>
+          <p:cNvPr id="42" name="Connecteur droit 41">
+            <a:extLst>
+              <a:ext uri="{FF2B5EF4-FFF2-40B4-BE49-F238E27FC236}">
+                <a16:creationId xmlns:a16="http://schemas.microsoft.com/office/drawing/2014/main" id="{96B2356F-5EF0-27B5-51C6-97D3794EDA4D}"/>
+              </a:ext>
+            </a:extLst>
+          </p:cNvPr>
+          <p:cNvCxnSpPr>
+            <a:cxnSpLocks/>
+          </p:cNvCxnSpPr>
+          <p:nvPr/>
+        </p:nvCxnSpPr>
+        <p:spPr>
+          <a:xfrm>
+            <a:off x="6346443" y="1545173"/>
+            <a:ext cx="1875537" cy="0"/>
+          </a:xfrm>
+          <a:prstGeom prst="line">
+            <a:avLst/>
+          </a:prstGeom>
+          <a:ln>
+            <a:solidFill>
+              <a:schemeClr val="tx1"/>
+            </a:solidFill>
+            <a:prstDash val="dash"/>
+            <a:headEnd type="triangle"/>
+          </a:ln>
+        </p:spPr>
+        <p:style>
+          <a:lnRef idx="2">
+            <a:schemeClr val="accent1"/>
+          </a:lnRef>
+          <a:fillRef idx="0">
+            <a:schemeClr val="accent1"/>
+          </a:fillRef>
+          <a:effectRef idx="1">
+            <a:schemeClr val="accent1"/>
+          </a:effectRef>
+          <a:fontRef idx="minor">
+            <a:schemeClr val="tx1"/>
+          </a:fontRef>
+        </p:style>
+      </p:cxnSp>
+      <p:cxnSp>
+        <p:nvCxnSpPr>
+          <p:cNvPr id="43" name="Connecteur droit 42">
+            <a:extLst>
+              <a:ext uri="{FF2B5EF4-FFF2-40B4-BE49-F238E27FC236}">
+                <a16:creationId xmlns:a16="http://schemas.microsoft.com/office/drawing/2014/main" id="{13D97FEF-B660-F3C8-504B-CAEB9AF77D71}"/>
+              </a:ext>
+            </a:extLst>
+          </p:cNvPr>
+          <p:cNvCxnSpPr>
+            <a:cxnSpLocks/>
+          </p:cNvCxnSpPr>
+          <p:nvPr/>
+        </p:nvCxnSpPr>
+        <p:spPr>
+          <a:xfrm flipH="1">
+            <a:off x="8845707" y="1547205"/>
+            <a:ext cx="401955" cy="0"/>
+          </a:xfrm>
+          <a:prstGeom prst="line">
+            <a:avLst/>
+          </a:prstGeom>
+          <a:ln>
+            <a:prstDash val="dash"/>
+          </a:ln>
+        </p:spPr>
+        <p:style>
+          <a:lnRef idx="2">
+            <a:schemeClr val="dk1"/>
+          </a:lnRef>
+          <a:fillRef idx="0">
+            <a:schemeClr val="dk1"/>
+          </a:fillRef>
+          <a:effectRef idx="1">
+            <a:schemeClr val="dk1"/>
+          </a:effectRef>
+          <a:fontRef idx="minor">
+            <a:schemeClr val="tx1"/>
+          </a:fontRef>
+        </p:style>
+      </p:cxnSp>
+      <p:cxnSp>
+        <p:nvCxnSpPr>
+          <p:cNvPr id="50" name="Connecteur droit 49">
+            <a:extLst>
+              <a:ext uri="{FF2B5EF4-FFF2-40B4-BE49-F238E27FC236}">
+                <a16:creationId xmlns:a16="http://schemas.microsoft.com/office/drawing/2014/main" id="{77B1E948-FD1E-26A8-4374-E6F78CA8A9C1}"/>
+              </a:ext>
+            </a:extLst>
+          </p:cNvPr>
+          <p:cNvCxnSpPr>
+            <a:cxnSpLocks/>
+          </p:cNvCxnSpPr>
+          <p:nvPr/>
+        </p:nvCxnSpPr>
+        <p:spPr>
+          <a:xfrm flipV="1">
+            <a:off x="6249250" y="746760"/>
+            <a:ext cx="6625" cy="693649"/>
+          </a:xfrm>
+          <a:prstGeom prst="line">
+            <a:avLst/>
+          </a:prstGeom>
+          <a:ln>
+            <a:solidFill>
+              <a:schemeClr val="tx1"/>
+            </a:solidFill>
+            <a:prstDash val="dash"/>
+            <a:headEnd type="triangle"/>
+          </a:ln>
+        </p:spPr>
+        <p:style>
+          <a:lnRef idx="2">
+            <a:schemeClr val="accent1"/>
+          </a:lnRef>
+          <a:fillRef idx="0">
+            <a:schemeClr val="accent1"/>
+          </a:fillRef>
+          <a:effectRef idx="1">
+            <a:schemeClr val="accent1"/>
+          </a:effectRef>
+          <a:fontRef idx="minor">
+            <a:schemeClr val="tx1"/>
+          </a:fontRef>
+        </p:style>
+      </p:cxnSp>
+      <p:cxnSp>
+        <p:nvCxnSpPr>
+          <p:cNvPr id="54" name="Connecteur droit 53">
+            <a:extLst>
+              <a:ext uri="{FF2B5EF4-FFF2-40B4-BE49-F238E27FC236}">
+                <a16:creationId xmlns:a16="http://schemas.microsoft.com/office/drawing/2014/main" id="{D1B42FA7-327E-94EA-DF5E-4F5B25F32CBE}"/>
+              </a:ext>
+            </a:extLst>
+          </p:cNvPr>
+          <p:cNvCxnSpPr>
+            <a:cxnSpLocks/>
+          </p:cNvCxnSpPr>
+          <p:nvPr/>
+        </p:nvCxnSpPr>
+        <p:spPr>
+          <a:xfrm flipV="1">
+            <a:off x="6909333" y="796290"/>
+            <a:ext cx="0" cy="1224832"/>
+          </a:xfrm>
+          <a:prstGeom prst="line">
+            <a:avLst/>
+          </a:prstGeom>
+          <a:ln>
+            <a:solidFill>
+              <a:schemeClr val="tx1"/>
+            </a:solidFill>
+            <a:prstDash val="dash"/>
+            <a:headEnd type="triangle"/>
+          </a:ln>
+        </p:spPr>
+        <p:style>
+          <a:lnRef idx="2">
+            <a:schemeClr val="accent1"/>
+          </a:lnRef>
+          <a:fillRef idx="0">
+            <a:schemeClr val="accent1"/>
+          </a:fillRef>
+          <a:effectRef idx="1">
+            <a:schemeClr val="accent1"/>
+          </a:effectRef>
+          <a:fontRef idx="minor">
+            <a:schemeClr val="tx1"/>
+          </a:fontRef>
+        </p:style>
+      </p:cxnSp>
+      <p:cxnSp>
+        <p:nvCxnSpPr>
+          <p:cNvPr id="56" name="Connecteur droit avec flèche 55">
+            <a:extLst>
+              <a:ext uri="{FF2B5EF4-FFF2-40B4-BE49-F238E27FC236}">
+                <a16:creationId xmlns:a16="http://schemas.microsoft.com/office/drawing/2014/main" id="{AB053E2F-C3F5-7D96-CB6C-6512F88C116D}"/>
+              </a:ext>
+            </a:extLst>
+          </p:cNvPr>
+          <p:cNvCxnSpPr>
+            <a:cxnSpLocks/>
+          </p:cNvCxnSpPr>
+          <p:nvPr/>
+        </p:nvCxnSpPr>
+        <p:spPr>
+          <a:xfrm>
+            <a:off x="6291986" y="857686"/>
+            <a:ext cx="570663" cy="0"/>
+          </a:xfrm>
+          <a:prstGeom prst="straightConnector1">
+            <a:avLst/>
+          </a:prstGeom>
+          <a:ln>
+            <a:headEnd type="triangle"/>
+            <a:tailEnd type="triangle"/>
+          </a:ln>
+        </p:spPr>
+        <p:style>
+          <a:lnRef idx="2">
+            <a:schemeClr val="accent5"/>
+          </a:lnRef>
+          <a:fillRef idx="0">
+            <a:schemeClr val="accent5"/>
+          </a:fillRef>
+          <a:effectRef idx="1">
+            <a:schemeClr val="accent5"/>
+          </a:effectRef>
+          <a:fontRef idx="minor">
+            <a:schemeClr val="tx1"/>
+          </a:fontRef>
+        </p:style>
+      </p:cxnSp>
+      <p:sp>
+        <p:nvSpPr>
+          <p:cNvPr id="59" name="ZoneTexte 58">
+            <a:extLst>
+              <a:ext uri="{FF2B5EF4-FFF2-40B4-BE49-F238E27FC236}">
+                <a16:creationId xmlns:a16="http://schemas.microsoft.com/office/drawing/2014/main" id="{75968AC9-05A8-88DB-BEE8-F2B58249BDD7}"/>
+              </a:ext>
+            </a:extLst>
+          </p:cNvPr>
+          <p:cNvSpPr txBox="1"/>
+          <p:nvPr/>
+        </p:nvSpPr>
+        <p:spPr>
+          <a:xfrm>
+            <a:off x="6204458" y="886296"/>
+            <a:ext cx="745717" cy="253916"/>
+          </a:xfrm>
+          <a:prstGeom prst="rect">
+            <a:avLst/>
+          </a:prstGeom>
+          <a:noFill/>
+        </p:spPr>
+        <p:txBody>
+          <a:bodyPr wrap="none" rtlCol="0">
+            <a:spAutoFit/>
+          </a:bodyPr>
+          <a:lstStyle/>
+          <a:p>
+            <a:r>
+              <a:rPr lang="en-US" sz="1050" noProof="0" dirty="0" err="1">
+                <a:latin typeface="Courier New" panose="02070309020205020404" pitchFamily="49" charset="0"/>
+                <a:cs typeface="Courier New" panose="02070309020205020404" pitchFamily="49" charset="0"/>
+              </a:rPr>
+              <a:t>error_x</a:t>
+            </a:r>
+            <a:endParaRPr lang="en-US" sz="1050" noProof="0" dirty="0">
+              <a:latin typeface="Courier New" panose="02070309020205020404" pitchFamily="49" charset="0"/>
+              <a:cs typeface="Courier New" panose="02070309020205020404" pitchFamily="49" charset="0"/>
+            </a:endParaRPr>
+          </a:p>
+        </p:txBody>
+      </p:sp>
+      <p:sp>
+        <p:nvSpPr>
+          <p:cNvPr id="61" name="ZoneTexte 60">
+            <a:extLst>
+              <a:ext uri="{FF2B5EF4-FFF2-40B4-BE49-F238E27FC236}">
+                <a16:creationId xmlns:a16="http://schemas.microsoft.com/office/drawing/2014/main" id="{809CF0F6-953E-6ED2-D814-465A204709C7}"/>
+              </a:ext>
+            </a:extLst>
+          </p:cNvPr>
+          <p:cNvSpPr txBox="1"/>
+          <p:nvPr/>
+        </p:nvSpPr>
+        <p:spPr>
+          <a:xfrm>
+            <a:off x="5610090" y="502920"/>
+            <a:ext cx="745717" cy="253916"/>
+          </a:xfrm>
+          <a:prstGeom prst="rect">
+            <a:avLst/>
+          </a:prstGeom>
+          <a:noFill/>
+        </p:spPr>
+        <p:txBody>
+          <a:bodyPr wrap="none" rtlCol="0">
+            <a:spAutoFit/>
+          </a:bodyPr>
+          <a:lstStyle/>
+          <a:p>
+            <a:pPr algn="r"/>
+            <a:r>
+              <a:rPr lang="en-US" sz="1050" dirty="0" err="1">
+                <a:latin typeface="Courier New" panose="02070309020205020404" pitchFamily="49" charset="0"/>
+                <a:cs typeface="Courier New" panose="02070309020205020404" pitchFamily="49" charset="0"/>
+              </a:rPr>
+              <a:t>x_laser</a:t>
+            </a:r>
+            <a:endParaRPr lang="en-US" sz="1050" noProof="0" dirty="0">
+              <a:latin typeface="Courier New" panose="02070309020205020404" pitchFamily="49" charset="0"/>
+              <a:cs typeface="Courier New" panose="02070309020205020404" pitchFamily="49" charset="0"/>
+            </a:endParaRPr>
+          </a:p>
+        </p:txBody>
+      </p:sp>
+      <p:sp>
+        <p:nvSpPr>
+          <p:cNvPr id="62" name="ZoneTexte 61">
+            <a:extLst>
+              <a:ext uri="{FF2B5EF4-FFF2-40B4-BE49-F238E27FC236}">
+                <a16:creationId xmlns:a16="http://schemas.microsoft.com/office/drawing/2014/main" id="{661A0F2F-49CF-1469-ED63-17AC0CC1D615}"/>
+              </a:ext>
+            </a:extLst>
+          </p:cNvPr>
+          <p:cNvSpPr txBox="1"/>
+          <p:nvPr/>
+        </p:nvSpPr>
+        <p:spPr>
+          <a:xfrm>
+            <a:off x="6843792" y="562299"/>
+            <a:ext cx="825867" cy="253916"/>
+          </a:xfrm>
+          <a:prstGeom prst="rect">
+            <a:avLst/>
+          </a:prstGeom>
+          <a:noFill/>
+        </p:spPr>
+        <p:txBody>
+          <a:bodyPr wrap="none" rtlCol="0">
+            <a:spAutoFit/>
+          </a:bodyPr>
+          <a:lstStyle/>
+          <a:p>
+            <a:r>
+              <a:rPr lang="en-US" sz="1050" dirty="0" err="1">
+                <a:latin typeface="Courier New" panose="02070309020205020404" pitchFamily="49" charset="0"/>
+                <a:cs typeface="Courier New" panose="02070309020205020404" pitchFamily="49" charset="0"/>
+              </a:rPr>
+              <a:t>x_target</a:t>
+            </a:r>
+            <a:endParaRPr lang="en-US" sz="1050" noProof="0" dirty="0">
+              <a:latin typeface="Courier New" panose="02070309020205020404" pitchFamily="49" charset="0"/>
+              <a:cs typeface="Courier New" panose="02070309020205020404" pitchFamily="49" charset="0"/>
+            </a:endParaRPr>
+          </a:p>
+        </p:txBody>
+      </p:sp>
+      <p:sp>
+        <p:nvSpPr>
+          <p:cNvPr id="48" name="Bulle narrative : ronde 47">
+            <a:extLst>
+              <a:ext uri="{FF2B5EF4-FFF2-40B4-BE49-F238E27FC236}">
+                <a16:creationId xmlns:a16="http://schemas.microsoft.com/office/drawing/2014/main" id="{4F5CF223-3E87-6691-F446-351BA6F8E77B}"/>
+              </a:ext>
+            </a:extLst>
+          </p:cNvPr>
+          <p:cNvSpPr/>
+          <p:nvPr/>
+        </p:nvSpPr>
+        <p:spPr>
+          <a:xfrm>
+            <a:off x="8069580" y="2964349"/>
+            <a:ext cx="2100676" cy="815247"/>
+          </a:xfrm>
+          <a:prstGeom prst="wedgeEllipseCallout">
+            <a:avLst>
+              <a:gd name="adj1" fmla="val -72808"/>
+              <a:gd name="adj2" fmla="val -39500"/>
+            </a:avLst>
+          </a:prstGeom>
+          <a:solidFill>
+            <a:schemeClr val="bg1">
+              <a:lumMod val="75000"/>
+            </a:schemeClr>
+          </a:solidFill>
+        </p:spPr>
+        <p:style>
+          <a:lnRef idx="2">
+            <a:schemeClr val="accent1">
+              <a:shade val="15000"/>
+            </a:schemeClr>
+          </a:lnRef>
+          <a:fillRef idx="1">
+            <a:schemeClr val="accent1"/>
+          </a:fillRef>
+          <a:effectRef idx="0">
+            <a:schemeClr val="accent1"/>
+          </a:effectRef>
+          <a:fontRef idx="minor">
+            <a:schemeClr val="lt1"/>
+          </a:fontRef>
+        </p:style>
+        <p:txBody>
+          <a:bodyPr rtlCol="0" anchor="ctr"/>
+          <a:lstStyle/>
+          <a:p>
+            <a:r>
+              <a:rPr lang="en-US" sz="1050" noProof="0" dirty="0">
+                <a:solidFill>
+                  <a:schemeClr val="tx1"/>
+                </a:solidFill>
+                <a:latin typeface="Courier New" panose="02070309020205020404" pitchFamily="49" charset="0"/>
+                <a:cs typeface="Courier New" panose="02070309020205020404" pitchFamily="49" charset="0"/>
+              </a:rPr>
+              <a:t>3 cm too high</a:t>
+            </a:r>
+          </a:p>
+          <a:p>
+            <a:r>
+              <a:rPr lang="en-US" sz="1050" dirty="0">
+                <a:solidFill>
+                  <a:schemeClr val="tx1"/>
+                </a:solidFill>
+                <a:latin typeface="Courier New" panose="02070309020205020404" pitchFamily="49" charset="0"/>
+                <a:cs typeface="Courier New" panose="02070309020205020404" pitchFamily="49" charset="0"/>
+              </a:rPr>
+              <a:t>5 cm on the left</a:t>
+            </a:r>
+            <a:endParaRPr lang="en-US" sz="1050" noProof="0" dirty="0">
+              <a:solidFill>
+                <a:schemeClr val="tx1"/>
+              </a:solidFill>
+              <a:latin typeface="Courier New" panose="02070309020205020404" pitchFamily="49" charset="0"/>
+              <a:cs typeface="Courier New" panose="02070309020205020404" pitchFamily="49" charset="0"/>
+            </a:endParaRPr>
+          </a:p>
+        </p:txBody>
+      </p:sp>
+    </p:spTree>
+    <p:extLst>
+      <p:ext uri="{BB962C8B-B14F-4D97-AF65-F5344CB8AC3E}">
+        <p14:creationId xmlns:p14="http://schemas.microsoft.com/office/powerpoint/2010/main" val="3961992228"/>
       </p:ext>
     </p:extLst>
   </p:cSld>
